--- a/sibsutis/2015/dpl/DPL_pres.pptx
+++ b/sibsutis/2015/dpl/DPL_pres.pptx
@@ -5,7 +5,7 @@
     <p:sldMasterId id="2147483648" r:id="rId1"/>
   </p:sldMasterIdLst>
   <p:notesMasterIdLst>
-    <p:notesMasterId r:id="rId28"/>
+    <p:notesMasterId r:id="rId27"/>
   </p:notesMasterIdLst>
   <p:sldIdLst>
     <p:sldId id="256" r:id="rId2"/>
@@ -19,21 +19,20 @@
     <p:sldId id="286" r:id="rId10"/>
     <p:sldId id="287" r:id="rId11"/>
     <p:sldId id="288" r:id="rId12"/>
-    <p:sldId id="300" r:id="rId13"/>
-    <p:sldId id="289" r:id="rId14"/>
-    <p:sldId id="292" r:id="rId15"/>
-    <p:sldId id="295" r:id="rId16"/>
-    <p:sldId id="296" r:id="rId17"/>
-    <p:sldId id="305" r:id="rId18"/>
-    <p:sldId id="293" r:id="rId19"/>
-    <p:sldId id="306" r:id="rId20"/>
-    <p:sldId id="267" r:id="rId21"/>
-    <p:sldId id="297" r:id="rId22"/>
-    <p:sldId id="304" r:id="rId23"/>
-    <p:sldId id="298" r:id="rId24"/>
-    <p:sldId id="299" r:id="rId25"/>
-    <p:sldId id="302" r:id="rId26"/>
-    <p:sldId id="303" r:id="rId27"/>
+    <p:sldId id="307" r:id="rId13"/>
+    <p:sldId id="300" r:id="rId14"/>
+    <p:sldId id="289" r:id="rId15"/>
+    <p:sldId id="292" r:id="rId16"/>
+    <p:sldId id="295" r:id="rId17"/>
+    <p:sldId id="296" r:id="rId18"/>
+    <p:sldId id="305" r:id="rId19"/>
+    <p:sldId id="293" r:id="rId20"/>
+    <p:sldId id="306" r:id="rId21"/>
+    <p:sldId id="267" r:id="rId22"/>
+    <p:sldId id="297" r:id="rId23"/>
+    <p:sldId id="299" r:id="rId24"/>
+    <p:sldId id="302" r:id="rId25"/>
+    <p:sldId id="303" r:id="rId26"/>
   </p:sldIdLst>
   <p:sldSz cx="9144000" cy="6858000" type="screen4x3"/>
   <p:notesSz cx="6858000" cy="9144000"/>
@@ -274,7 +273,7 @@
               <a:pPr>
                 <a:defRPr/>
               </a:pPr>
-              <a:t>14.06.2015</a:t>
+              <a:t>19.06.2015</a:t>
             </a:fld>
             <a:endParaRPr lang="ru-RU"/>
           </a:p>
@@ -787,7 +786,7 @@
               <a:pPr>
                 <a:defRPr/>
               </a:pPr>
-              <a:t>14.06.2015</a:t>
+              <a:t>19.06.2015</a:t>
             </a:fld>
             <a:endParaRPr lang="ru-RU"/>
           </a:p>
@@ -979,7 +978,7 @@
               <a:pPr>
                 <a:defRPr/>
               </a:pPr>
-              <a:t>14.06.2015</a:t>
+              <a:t>19.06.2015</a:t>
             </a:fld>
             <a:endParaRPr lang="ru-RU"/>
           </a:p>
@@ -1181,7 +1180,7 @@
               <a:pPr>
                 <a:defRPr/>
               </a:pPr>
-              <a:t>14.06.2015</a:t>
+              <a:t>19.06.2015</a:t>
             </a:fld>
             <a:endParaRPr lang="ru-RU"/>
           </a:p>
@@ -1394,7 +1393,7 @@
               <a:pPr>
                 <a:defRPr/>
               </a:pPr>
-              <a:t>14.06.2015</a:t>
+              <a:t>19.06.2015</a:t>
             </a:fld>
             <a:endParaRPr lang="ru-RU"/>
           </a:p>
@@ -1664,7 +1663,7 @@
               <a:pPr>
                 <a:defRPr/>
               </a:pPr>
-              <a:t>14.06.2015</a:t>
+              <a:t>19.06.2015</a:t>
             </a:fld>
             <a:endParaRPr lang="ru-RU"/>
           </a:p>
@@ -1979,7 +1978,7 @@
               <a:pPr>
                 <a:defRPr/>
               </a:pPr>
-              <a:t>14.06.2015</a:t>
+              <a:t>19.06.2015</a:t>
             </a:fld>
             <a:endParaRPr lang="ru-RU"/>
           </a:p>
@@ -2428,7 +2427,7 @@
               <a:pPr>
                 <a:defRPr/>
               </a:pPr>
-              <a:t>14.06.2015</a:t>
+              <a:t>19.06.2015</a:t>
             </a:fld>
             <a:endParaRPr lang="ru-RU"/>
           </a:p>
@@ -2573,7 +2572,7 @@
               <a:pPr>
                 <a:defRPr/>
               </a:pPr>
-              <a:t>14.06.2015</a:t>
+              <a:t>19.06.2015</a:t>
             </a:fld>
             <a:endParaRPr lang="ru-RU"/>
           </a:p>
@@ -2690,7 +2689,7 @@
               <a:pPr>
                 <a:defRPr/>
               </a:pPr>
-              <a:t>14.06.2015</a:t>
+              <a:t>19.06.2015</a:t>
             </a:fld>
             <a:endParaRPr lang="ru-RU"/>
           </a:p>
@@ -2989,7 +2988,7 @@
               <a:pPr>
                 <a:defRPr/>
               </a:pPr>
-              <a:t>14.06.2015</a:t>
+              <a:t>19.06.2015</a:t>
             </a:fld>
             <a:endParaRPr lang="ru-RU"/>
           </a:p>
@@ -3267,7 +3266,7 @@
               <a:pPr>
                 <a:defRPr/>
               </a:pPr>
-              <a:t>14.06.2015</a:t>
+              <a:t>19.06.2015</a:t>
             </a:fld>
             <a:endParaRPr lang="ru-RU"/>
           </a:p>
@@ -3523,7 +3522,7 @@
               <a:pPr>
                 <a:defRPr/>
               </a:pPr>
-              <a:t>14.06.2015</a:t>
+              <a:t>19.06.2015</a:t>
             </a:fld>
             <a:endParaRPr lang="ru-RU"/>
           </a:p>
@@ -4322,7 +4321,25 @@
               <a:rPr lang="en-US" sz="2800" dirty="0" smtClean="0">
                 <a:latin typeface="+mj-lt"/>
               </a:rPr>
-              <a:t>IVR (Interactive Voice Responder) </a:t>
+              <a:t>IVR (Interactive Voice </a:t>
+            </a:r>
+            <a:r>
+              <a:rPr lang="en-US" sz="2800" dirty="0" smtClean="0">
+                <a:latin typeface="+mj-lt"/>
+              </a:rPr>
+              <a:t>Respon</a:t>
+            </a:r>
+            <a:r>
+              <a:rPr lang="en-US" sz="2800" dirty="0" smtClean="0">
+                <a:latin typeface="+mj-lt"/>
+              </a:rPr>
+              <a:t>se</a:t>
+            </a:r>
+            <a:r>
+              <a:rPr lang="en-US" sz="2800" dirty="0" smtClean="0">
+                <a:latin typeface="+mj-lt"/>
+              </a:rPr>
+              <a:t>) </a:t>
             </a:r>
             <a:r>
               <a:rPr lang="ru-RU" sz="2800" dirty="0" smtClean="0">
@@ -4634,35 +4651,7 @@
             </a:pPr>
             <a:r>
               <a:rPr lang="ru-RU" sz="2400" dirty="0" smtClean="0"/>
-              <a:t>Машина состояний представляет собой </a:t>
-            </a:r>
-            <a:r>
-              <a:rPr lang="ru-RU" sz="2400" dirty="0" smtClean="0"/>
-              <a:t>набор </a:t>
-            </a:r>
-            <a:r>
-              <a:rPr lang="ru-RU" sz="2400" dirty="0" smtClean="0"/>
-              <a:t>функций для управления графом состояний </a:t>
-            </a:r>
-            <a:r>
-              <a:rPr lang="ru-RU" sz="2400" dirty="0" smtClean="0"/>
-              <a:t>вызова. </a:t>
-            </a:r>
-            <a:r>
-              <a:rPr lang="ru-RU" sz="2400" dirty="0" smtClean="0"/>
-              <a:t>В зависимости от состояния вызова становятся активными </a:t>
-            </a:r>
-            <a:r>
-              <a:rPr lang="ru-RU" sz="2400" dirty="0" smtClean="0"/>
-              <a:t>различные возможности </a:t>
-            </a:r>
-            <a:r>
-              <a:rPr lang="ru-RU" sz="2400" dirty="0" smtClean="0"/>
-              <a:t>обработки </a:t>
-            </a:r>
-            <a:r>
-              <a:rPr lang="ru-RU" sz="2400" dirty="0" smtClean="0"/>
-              <a:t>вызова.</a:t>
+              <a:t>Машина состояний представляет собой набор функций для управления графом состояний вызова. В зависимости от состояния вызова становятся активными различные возможности обработки вызова.</a:t>
             </a:r>
             <a:endParaRPr lang="ru-RU" sz="2400" dirty="0"/>
           </a:p>
@@ -4814,15 +4803,7 @@
             </a:pPr>
             <a:r>
               <a:rPr lang="ru-RU" sz="2400" dirty="0" smtClean="0"/>
-              <a:t>Проигрываемые элементы делятся на два типа – </a:t>
-            </a:r>
-            <a:r>
-              <a:rPr lang="ru-RU" sz="2400" dirty="0" smtClean="0"/>
-              <a:t>звуковой файл </a:t>
-            </a:r>
-            <a:r>
-              <a:rPr lang="ru-RU" sz="2400" dirty="0" smtClean="0"/>
-              <a:t>формата «.</a:t>
+              <a:t>Проигрываемые элементы делятся на два типа – звуковой файл формата «.</a:t>
             </a:r>
             <a:r>
               <a:rPr lang="ru-RU" sz="2400" dirty="0" err="1" smtClean="0"/>
@@ -4830,19 +4811,7 @@
             </a:r>
             <a:r>
               <a:rPr lang="ru-RU" sz="2400" dirty="0" smtClean="0"/>
-              <a:t>» </a:t>
-            </a:r>
-            <a:r>
-              <a:rPr lang="ru-RU" sz="2400" dirty="0" smtClean="0"/>
-              <a:t>или тон </a:t>
-            </a:r>
-            <a:r>
-              <a:rPr lang="ru-RU" sz="2400" dirty="0" smtClean="0"/>
-              <a:t>определенной частоты</a:t>
-            </a:r>
-            <a:r>
-              <a:rPr lang="ru-RU" sz="2400" dirty="0" smtClean="0"/>
-              <a:t>.</a:t>
+              <a:t>» или тон определенной частоты.</a:t>
             </a:r>
           </a:p>
         </p:txBody>
@@ -4951,6 +4920,159 @@
           <a:p>
             <a:r>
               <a:rPr lang="ru-RU" dirty="0" smtClean="0"/>
+              <a:t>Запись разговоров</a:t>
+            </a:r>
+            <a:endParaRPr lang="ru-RU" dirty="0"/>
+          </a:p>
+        </p:txBody>
+      </p:sp>
+      <p:sp>
+        <p:nvSpPr>
+          <p:cNvPr id="3" name="Содержимое 2"/>
+          <p:cNvSpPr>
+            <a:spLocks noGrp="1"/>
+          </p:cNvSpPr>
+          <p:nvPr>
+            <p:ph idx="1"/>
+          </p:nvPr>
+        </p:nvSpPr>
+        <p:spPr>
+          <a:xfrm>
+            <a:off x="457200" y="1295399"/>
+            <a:ext cx="8229600" cy="992187"/>
+          </a:xfrm>
+        </p:spPr>
+        <p:txBody>
+          <a:bodyPr/>
+          <a:lstStyle/>
+          <a:p>
+            <a:pPr marL="0" indent="360363">
+              <a:buNone/>
+            </a:pPr>
+            <a:r>
+              <a:rPr lang="ru-RU" sz="2400" dirty="0" smtClean="0"/>
+              <a:t>На основе двух сервисных портов создается конференция </a:t>
+            </a:r>
+            <a:r>
+              <a:rPr lang="ru-RU" sz="2400" dirty="0" smtClean="0"/>
+              <a:t>из </a:t>
+            </a:r>
+            <a:r>
+              <a:rPr lang="ru-RU" sz="2400" dirty="0" smtClean="0"/>
+              <a:t>которой, уже смикшированный, звук записывается в </a:t>
+            </a:r>
+            <a:r>
+              <a:rPr lang="ru-RU" sz="2400" dirty="0" smtClean="0"/>
+              <a:t>файл.</a:t>
+            </a:r>
+            <a:endParaRPr lang="ru-RU" sz="2400" dirty="0"/>
+          </a:p>
+        </p:txBody>
+      </p:sp>
+      <p:sp>
+        <p:nvSpPr>
+          <p:cNvPr id="4" name="Номер слайда 3"/>
+          <p:cNvSpPr>
+            <a:spLocks noGrp="1"/>
+          </p:cNvSpPr>
+          <p:nvPr>
+            <p:ph type="sldNum" sz="quarter" idx="12"/>
+          </p:nvPr>
+        </p:nvSpPr>
+        <p:spPr/>
+        <p:txBody>
+          <a:bodyPr/>
+          <a:lstStyle/>
+          <a:p>
+            <a:pPr>
+              <a:defRPr/>
+            </a:pPr>
+            <a:fld id="{BB3B5E7F-AE2F-46EF-84F8-F046D8633343}" type="slidenum">
+              <a:rPr lang="ru-RU" smtClean="0"/>
+              <a:pPr>
+                <a:defRPr/>
+              </a:pPr>
+              <a:t>12</a:t>
+            </a:fld>
+            <a:endParaRPr lang="ru-RU" dirty="0"/>
+          </a:p>
+        </p:txBody>
+      </p:sp>
+      <p:pic>
+        <p:nvPicPr>
+          <p:cNvPr id="5122" name="Picture 2" descr="E:\tunel\sibsutis\2015\dpl\diploma_submission\media\recording.png"/>
+          <p:cNvPicPr>
+            <a:picLocks noChangeAspect="1" noChangeArrowheads="1"/>
+          </p:cNvPicPr>
+          <p:nvPr/>
+        </p:nvPicPr>
+        <p:blipFill>
+          <a:blip r:embed="rId2"/>
+          <a:srcRect/>
+          <a:stretch>
+            <a:fillRect/>
+          </a:stretch>
+        </p:blipFill>
+        <p:spPr bwMode="auto">
+          <a:xfrm>
+            <a:off x="615950" y="2287587"/>
+            <a:ext cx="7909189" cy="3719513"/>
+          </a:xfrm>
+          <a:prstGeom prst="rect">
+            <a:avLst/>
+          </a:prstGeom>
+          <a:noFill/>
+        </p:spPr>
+      </p:pic>
+    </p:spTree>
+  </p:cSld>
+  <p:clrMapOvr>
+    <a:masterClrMapping/>
+  </p:clrMapOvr>
+  <p:timing>
+    <p:tnLst>
+      <p:par>
+        <p:cTn id="1" dur="indefinite" restart="never" nodeType="tmRoot"/>
+      </p:par>
+    </p:tnLst>
+  </p:timing>
+</p:sld>
+</file>
+
+<file path=ppt/slides/slide13.xml><?xml version="1.0" encoding="utf-8"?>
+<p:sld xmlns:a="http://schemas.openxmlformats.org/drawingml/2006/main" xmlns:r="http://schemas.openxmlformats.org/officeDocument/2006/relationships" xmlns:p="http://schemas.openxmlformats.org/presentationml/2006/main">
+  <p:cSld>
+    <p:spTree>
+      <p:nvGrpSpPr>
+        <p:cNvPr id="1" name=""/>
+        <p:cNvGrpSpPr/>
+        <p:nvPr/>
+      </p:nvGrpSpPr>
+      <p:grpSpPr>
+        <a:xfrm>
+          <a:off x="0" y="0"/>
+          <a:ext cx="0" cy="0"/>
+          <a:chOff x="0" y="0"/>
+          <a:chExt cx="0" cy="0"/>
+        </a:xfrm>
+      </p:grpSpPr>
+      <p:sp>
+        <p:nvSpPr>
+          <p:cNvPr id="2" name="Заголовок 1"/>
+          <p:cNvSpPr>
+            <a:spLocks noGrp="1"/>
+          </p:cNvSpPr>
+          <p:nvPr>
+            <p:ph type="title"/>
+          </p:nvPr>
+        </p:nvSpPr>
+        <p:spPr/>
+        <p:txBody>
+          <a:bodyPr/>
+          <a:lstStyle/>
+          <a:p>
+            <a:r>
+              <a:rPr lang="ru-RU" dirty="0" smtClean="0"/>
               <a:t>Сбор </a:t>
             </a:r>
             <a:r>
@@ -4994,23 +5116,7 @@
             </a:r>
             <a:r>
               <a:rPr lang="ru-RU" sz="2400" dirty="0" smtClean="0"/>
-              <a:t> </a:t>
-            </a:r>
-            <a:r>
-              <a:rPr lang="ru-RU" sz="2400" dirty="0" smtClean="0"/>
-              <a:t>у </a:t>
-            </a:r>
-            <a:r>
-              <a:rPr lang="ru-RU" sz="2400" dirty="0" smtClean="0"/>
-              <a:t>вызова, </a:t>
-            </a:r>
-            <a:r>
-              <a:rPr lang="ru-RU" sz="2400" dirty="0" smtClean="0"/>
-              <a:t>для которого это сообщение предназначено, заполняются параметры </a:t>
-            </a:r>
-            <a:r>
-              <a:rPr lang="ru-RU" sz="2400" dirty="0" smtClean="0"/>
-              <a:t>сбора, запускается таймер.</a:t>
+              <a:t> у вызова, для которого это сообщение предназначено, заполняются параметры сбора, запускается таймер.</a:t>
             </a:r>
             <a:endParaRPr lang="ru-RU" sz="2400" dirty="0"/>
           </a:p>
@@ -5039,7 +5145,7 @@
               <a:pPr>
                 <a:defRPr/>
               </a:pPr>
-              <a:t>12</a:t>
+              <a:t>13</a:t>
             </a:fld>
             <a:endParaRPr lang="ru-RU" dirty="0"/>
           </a:p>
@@ -5086,7 +5192,7 @@
 </p:sld>
 </file>
 
-<file path=ppt/slides/slide13.xml><?xml version="1.0" encoding="utf-8"?>
+<file path=ppt/slides/slide14.xml><?xml version="1.0" encoding="utf-8"?>
 <p:sld xmlns:a="http://schemas.openxmlformats.org/drawingml/2006/main" xmlns:r="http://schemas.openxmlformats.org/officeDocument/2006/relationships" xmlns:p="http://schemas.openxmlformats.org/presentationml/2006/main">
   <p:cSld>
     <p:spTree>
@@ -5159,19 +5265,15 @@
             </a:r>
             <a:r>
               <a:rPr lang="ru-RU" sz="2400" dirty="0" smtClean="0"/>
-              <a:t>. Тело потока представляет собой бесконечный цикл, который через каждые 100 мс проверяет таймеры проигрывания, сбора </a:t>
+              <a:t>. Тело потока представляет собой бесконечный цикл, который </a:t>
             </a:r>
             <a:r>
               <a:rPr lang="ru-RU" sz="2400" dirty="0" smtClean="0"/>
-              <a:t>цифр, </a:t>
+              <a:t>каждые </a:t>
             </a:r>
             <a:r>
               <a:rPr lang="ru-RU" sz="2400" dirty="0" smtClean="0"/>
-              <a:t>ошибок </a:t>
-            </a:r>
-            <a:r>
-              <a:rPr lang="ru-RU" sz="2400" dirty="0" smtClean="0"/>
-              <a:t>сервера.</a:t>
+              <a:t>100 мс проверяет таймеры проигрывания, сбора цифр, ошибок сервера.</a:t>
             </a:r>
             <a:endParaRPr lang="ru-RU" sz="2400" dirty="0"/>
           </a:p>
@@ -5200,7 +5302,7 @@
               <a:pPr>
                 <a:defRPr/>
               </a:pPr>
-              <a:t>13</a:t>
+              <a:t>14</a:t>
             </a:fld>
             <a:endParaRPr lang="ru-RU" dirty="0"/>
           </a:p>
@@ -5463,214 +5565,6 @@
 </p:sld>
 </file>
 
-<file path=ppt/slides/slide14.xml><?xml version="1.0" encoding="utf-8"?>
-<p:sld xmlns:a="http://schemas.openxmlformats.org/drawingml/2006/main" xmlns:r="http://schemas.openxmlformats.org/officeDocument/2006/relationships" xmlns:p="http://schemas.openxmlformats.org/presentationml/2006/main">
-  <p:cSld>
-    <p:spTree>
-      <p:nvGrpSpPr>
-        <p:cNvPr id="1" name=""/>
-        <p:cNvGrpSpPr/>
-        <p:nvPr/>
-      </p:nvGrpSpPr>
-      <p:grpSpPr>
-        <a:xfrm>
-          <a:off x="0" y="0"/>
-          <a:ext cx="0" cy="0"/>
-          <a:chOff x="0" y="0"/>
-          <a:chExt cx="0" cy="0"/>
-        </a:xfrm>
-      </p:grpSpPr>
-      <p:sp>
-        <p:nvSpPr>
-          <p:cNvPr id="2" name="Заголовок 1"/>
-          <p:cNvSpPr>
-            <a:spLocks noGrp="1"/>
-          </p:cNvSpPr>
-          <p:nvPr>
-            <p:ph type="title"/>
-          </p:nvPr>
-        </p:nvSpPr>
-        <p:spPr/>
-        <p:txBody>
-          <a:bodyPr/>
-          <a:lstStyle/>
-          <a:p>
-            <a:r>
-              <a:rPr lang="ru-RU" dirty="0" smtClean="0"/>
-              <a:t>Работа с сервером</a:t>
-            </a:r>
-            <a:endParaRPr lang="ru-RU" dirty="0"/>
-          </a:p>
-        </p:txBody>
-      </p:sp>
-      <p:sp>
-        <p:nvSpPr>
-          <p:cNvPr id="3" name="Содержимое 2"/>
-          <p:cNvSpPr>
-            <a:spLocks noGrp="1"/>
-          </p:cNvSpPr>
-          <p:nvPr>
-            <p:ph idx="1"/>
-          </p:nvPr>
-        </p:nvSpPr>
-        <p:spPr>
-          <a:xfrm>
-            <a:off x="457200" y="1406525"/>
-            <a:ext cx="8229600" cy="4044950"/>
-          </a:xfrm>
-        </p:spPr>
-        <p:txBody>
-          <a:bodyPr/>
-          <a:lstStyle/>
-          <a:p>
-            <a:pPr marL="0" indent="557213" algn="just">
-              <a:buNone/>
-            </a:pPr>
-            <a:r>
-              <a:rPr lang="ru-RU" sz="2400" dirty="0" smtClean="0"/>
-              <a:t>Работа с сервером осуществляется через входящую и исходящую </a:t>
-            </a:r>
-            <a:r>
-              <a:rPr lang="ru-RU" sz="2400" dirty="0" smtClean="0"/>
-              <a:t>очередь. В </a:t>
-            </a:r>
-            <a:r>
-              <a:rPr lang="ru-RU" sz="2400" dirty="0" smtClean="0"/>
-              <a:t>обмене между сервером имеется 4 типа </a:t>
-            </a:r>
-            <a:r>
-              <a:rPr lang="ru-RU" sz="2400" dirty="0" smtClean="0"/>
-              <a:t>сообщений:</a:t>
-            </a:r>
-          </a:p>
-          <a:p>
-            <a:pPr marL="0" indent="557213" algn="just">
-              <a:buFont typeface="Arial" pitchFamily="34" charset="0"/>
-              <a:buChar char="•"/>
-            </a:pPr>
-            <a:r>
-              <a:rPr lang="ru-RU" sz="2400" dirty="0" err="1" smtClean="0"/>
-              <a:t>Seize</a:t>
-            </a:r>
-            <a:r>
-              <a:rPr lang="ru-RU" sz="2400" dirty="0" smtClean="0"/>
-              <a:t> – сообщение входящего/исходящего занятия</a:t>
-            </a:r>
-            <a:r>
-              <a:rPr lang="ru-RU" sz="2400" dirty="0" smtClean="0"/>
-              <a:t>.</a:t>
-            </a:r>
-          </a:p>
-          <a:p>
-            <a:pPr marL="0" indent="557213" algn="just">
-              <a:buFont typeface="Arial" pitchFamily="34" charset="0"/>
-              <a:buChar char="•"/>
-            </a:pPr>
-            <a:r>
-              <a:rPr lang="en-US" sz="2400" dirty="0" smtClean="0"/>
-              <a:t>Progress </a:t>
-            </a:r>
-            <a:r>
-              <a:rPr lang="ru-RU" sz="2400" dirty="0" smtClean="0"/>
-              <a:t>– сообщение для управления вызова с </a:t>
-            </a:r>
-            <a:r>
-              <a:rPr lang="ru-RU" sz="2400" dirty="0" err="1" smtClean="0"/>
-              <a:t>предответном</a:t>
-            </a:r>
-            <a:r>
-              <a:rPr lang="ru-RU" sz="2400" dirty="0" smtClean="0"/>
-              <a:t> </a:t>
-            </a:r>
-            <a:r>
-              <a:rPr lang="ru-RU" sz="2400" dirty="0" smtClean="0"/>
-              <a:t>и </a:t>
-            </a:r>
-            <a:r>
-              <a:rPr lang="ru-RU" sz="2400" dirty="0" smtClean="0"/>
-              <a:t>ответном состояниях</a:t>
-            </a:r>
-            <a:r>
-              <a:rPr lang="ru-RU" sz="2400" dirty="0" smtClean="0"/>
-              <a:t>.</a:t>
-            </a:r>
-          </a:p>
-          <a:p>
-            <a:pPr marL="0" indent="557213" algn="just">
-              <a:buFont typeface="Arial" pitchFamily="34" charset="0"/>
-              <a:buChar char="•"/>
-            </a:pPr>
-            <a:r>
-              <a:rPr lang="en-US" sz="2400" dirty="0" smtClean="0"/>
-              <a:t>Answer </a:t>
-            </a:r>
-            <a:r>
-              <a:rPr lang="ru-RU" sz="2400" dirty="0" smtClean="0"/>
-              <a:t>– сообщение для управления вызовами в ответном состоянии.</a:t>
-            </a:r>
-            <a:endParaRPr lang="ru-RU" sz="2400" dirty="0" smtClean="0"/>
-          </a:p>
-          <a:p>
-            <a:pPr marL="0" indent="557213" algn="just">
-              <a:buFont typeface="Arial" pitchFamily="34" charset="0"/>
-              <a:buChar char="•"/>
-            </a:pPr>
-            <a:r>
-              <a:rPr lang="en-US" sz="2400" dirty="0" smtClean="0"/>
-              <a:t>Release </a:t>
-            </a:r>
-            <a:r>
-              <a:rPr lang="ru-RU" sz="2400" dirty="0" smtClean="0"/>
-              <a:t>– сообщение для уведомления о завершении вызова.</a:t>
-            </a:r>
-            <a:endParaRPr lang="ru-RU" sz="2400" dirty="0"/>
-          </a:p>
-        </p:txBody>
-      </p:sp>
-      <p:sp>
-        <p:nvSpPr>
-          <p:cNvPr id="4" name="Номер слайда 3"/>
-          <p:cNvSpPr>
-            <a:spLocks noGrp="1"/>
-          </p:cNvSpPr>
-          <p:nvPr>
-            <p:ph type="sldNum" sz="quarter" idx="12"/>
-          </p:nvPr>
-        </p:nvSpPr>
-        <p:spPr/>
-        <p:txBody>
-          <a:bodyPr/>
-          <a:lstStyle/>
-          <a:p>
-            <a:pPr>
-              <a:defRPr/>
-            </a:pPr>
-            <a:fld id="{BB3B5E7F-AE2F-46EF-84F8-F046D8633343}" type="slidenum">
-              <a:rPr lang="ru-RU" smtClean="0"/>
-              <a:pPr>
-                <a:defRPr/>
-              </a:pPr>
-              <a:t>14</a:t>
-            </a:fld>
-            <a:endParaRPr lang="ru-RU" dirty="0"/>
-          </a:p>
-        </p:txBody>
-      </p:sp>
-    </p:spTree>
-  </p:cSld>
-  <p:clrMapOvr>
-    <a:masterClrMapping/>
-  </p:clrMapOvr>
-  <p:timing>
-    <p:tnLst>
-      <p:par>
-        <p:cTn id="1" dur="indefinite" restart="never" nodeType="tmRoot"/>
-      </p:par>
-    </p:tnLst>
-  </p:timing>
-</p:sld>
-</file>
-
 <file path=ppt/slides/slide15.xml><?xml version="1.0" encoding="utf-8"?>
 <p:sld xmlns:a="http://schemas.openxmlformats.org/drawingml/2006/main" xmlns:r="http://schemas.openxmlformats.org/officeDocument/2006/relationships" xmlns:p="http://schemas.openxmlformats.org/presentationml/2006/main">
   <p:cSld>
@@ -5704,20 +5598,8 @@
           <a:lstStyle/>
           <a:p>
             <a:r>
-              <a:rPr lang="en-US" dirty="0" smtClean="0"/>
-              <a:t>SMARTI </a:t>
-            </a:r>
-            <a:r>
               <a:rPr lang="ru-RU" dirty="0" smtClean="0"/>
-              <a:t>–</a:t>
-            </a:r>
-            <a:r>
-              <a:rPr lang="en-US" dirty="0" smtClean="0"/>
-              <a:t> </a:t>
-            </a:r>
-            <a:r>
-              <a:rPr lang="ru-RU" dirty="0" smtClean="0"/>
-              <a:t>сервер</a:t>
+              <a:t>Работа с сервером</a:t>
             </a:r>
             <a:endParaRPr lang="ru-RU" dirty="0"/>
           </a:p>
@@ -5733,12 +5615,88 @@
             <p:ph idx="1"/>
           </p:nvPr>
         </p:nvSpPr>
-        <p:spPr/>
+        <p:spPr>
+          <a:xfrm>
+            <a:off x="457200" y="1406525"/>
+            <a:ext cx="8229600" cy="4044950"/>
+          </a:xfrm>
+        </p:spPr>
         <p:txBody>
           <a:bodyPr/>
           <a:lstStyle/>
           <a:p>
-            <a:endParaRPr lang="ru-RU" dirty="0"/>
+            <a:pPr marL="0" indent="557213" algn="just">
+              <a:buNone/>
+            </a:pPr>
+            <a:r>
+              <a:rPr lang="ru-RU" sz="2400" dirty="0" smtClean="0"/>
+              <a:t>Работа с сервером осуществляется через входящую и исходящую очередь. В обмене между сервером имеется 4 типа сообщений:</a:t>
+            </a:r>
+          </a:p>
+          <a:p>
+            <a:pPr marL="0" indent="557213" algn="just">
+              <a:buFont typeface="Arial" pitchFamily="34" charset="0"/>
+              <a:buChar char="•"/>
+            </a:pPr>
+            <a:r>
+              <a:rPr lang="ru-RU" sz="2400" dirty="0" err="1" smtClean="0"/>
+              <a:t>Seize</a:t>
+            </a:r>
+            <a:r>
+              <a:rPr lang="ru-RU" sz="2400" dirty="0" smtClean="0"/>
+              <a:t> – сообщение входящего/исходящего занятия.</a:t>
+            </a:r>
+          </a:p>
+          <a:p>
+            <a:pPr marL="0" indent="557213" algn="just">
+              <a:buFont typeface="Arial" pitchFamily="34" charset="0"/>
+              <a:buChar char="•"/>
+            </a:pPr>
+            <a:r>
+              <a:rPr lang="en-US" sz="2400" dirty="0" smtClean="0"/>
+              <a:t>Progress </a:t>
+            </a:r>
+            <a:r>
+              <a:rPr lang="ru-RU" sz="2400" dirty="0" smtClean="0"/>
+              <a:t>– сообщение для управления вызова с </a:t>
+            </a:r>
+            <a:r>
+              <a:rPr lang="ru-RU" sz="2400" dirty="0" err="1" smtClean="0"/>
+              <a:t>предответном</a:t>
+            </a:r>
+            <a:r>
+              <a:rPr lang="ru-RU" sz="2400" dirty="0" smtClean="0"/>
+              <a:t> и ответном состояниях.</a:t>
+            </a:r>
+          </a:p>
+          <a:p>
+            <a:pPr marL="0" indent="557213" algn="just">
+              <a:buFont typeface="Arial" pitchFamily="34" charset="0"/>
+              <a:buChar char="•"/>
+            </a:pPr>
+            <a:r>
+              <a:rPr lang="en-US" sz="2400" dirty="0" smtClean="0"/>
+              <a:t>Answer </a:t>
+            </a:r>
+            <a:r>
+              <a:rPr lang="ru-RU" sz="2400" dirty="0" smtClean="0"/>
+              <a:t>– сообщение для управления вызовами в ответном состоянии.</a:t>
+            </a:r>
+          </a:p>
+          <a:p>
+            <a:pPr marL="0" indent="557213" algn="just">
+              <a:buFont typeface="Arial" pitchFamily="34" charset="0"/>
+              <a:buChar char="•"/>
+            </a:pPr>
+            <a:r>
+              <a:rPr lang="en-US" sz="2400" dirty="0" smtClean="0"/>
+              <a:t>Release </a:t>
+            </a:r>
+            <a:r>
+              <a:rPr lang="ru-RU" sz="2400" dirty="0" smtClean="0"/>
+              <a:t>– сообщение для уведомления о завершении вызова.</a:t>
+            </a:r>
+            <a:endParaRPr lang="ru-RU" sz="2400" dirty="0"/>
           </a:p>
         </p:txBody>
       </p:sp>
@@ -5766,6 +5724,121 @@
                 <a:defRPr/>
               </a:pPr>
               <a:t>15</a:t>
+            </a:fld>
+            <a:endParaRPr lang="ru-RU" dirty="0"/>
+          </a:p>
+        </p:txBody>
+      </p:sp>
+    </p:spTree>
+  </p:cSld>
+  <p:clrMapOvr>
+    <a:masterClrMapping/>
+  </p:clrMapOvr>
+  <p:timing>
+    <p:tnLst>
+      <p:par>
+        <p:cTn id="1" dur="indefinite" restart="never" nodeType="tmRoot"/>
+      </p:par>
+    </p:tnLst>
+  </p:timing>
+</p:sld>
+</file>
+
+<file path=ppt/slides/slide16.xml><?xml version="1.0" encoding="utf-8"?>
+<p:sld xmlns:a="http://schemas.openxmlformats.org/drawingml/2006/main" xmlns:r="http://schemas.openxmlformats.org/officeDocument/2006/relationships" xmlns:p="http://schemas.openxmlformats.org/presentationml/2006/main">
+  <p:cSld>
+    <p:spTree>
+      <p:nvGrpSpPr>
+        <p:cNvPr id="1" name=""/>
+        <p:cNvGrpSpPr/>
+        <p:nvPr/>
+      </p:nvGrpSpPr>
+      <p:grpSpPr>
+        <a:xfrm>
+          <a:off x="0" y="0"/>
+          <a:ext cx="0" cy="0"/>
+          <a:chOff x="0" y="0"/>
+          <a:chExt cx="0" cy="0"/>
+        </a:xfrm>
+      </p:grpSpPr>
+      <p:sp>
+        <p:nvSpPr>
+          <p:cNvPr id="2" name="Заголовок 1"/>
+          <p:cNvSpPr>
+            <a:spLocks noGrp="1"/>
+          </p:cNvSpPr>
+          <p:nvPr>
+            <p:ph type="title"/>
+          </p:nvPr>
+        </p:nvSpPr>
+        <p:spPr/>
+        <p:txBody>
+          <a:bodyPr/>
+          <a:lstStyle/>
+          <a:p>
+            <a:r>
+              <a:rPr lang="en-US" dirty="0" smtClean="0"/>
+              <a:t>SMARTI </a:t>
+            </a:r>
+            <a:r>
+              <a:rPr lang="ru-RU" dirty="0" smtClean="0"/>
+              <a:t>–</a:t>
+            </a:r>
+            <a:r>
+              <a:rPr lang="en-US" dirty="0" smtClean="0"/>
+              <a:t> </a:t>
+            </a:r>
+            <a:r>
+              <a:rPr lang="ru-RU" dirty="0" smtClean="0"/>
+              <a:t>сервер</a:t>
+            </a:r>
+            <a:endParaRPr lang="ru-RU" dirty="0"/>
+          </a:p>
+        </p:txBody>
+      </p:sp>
+      <p:sp>
+        <p:nvSpPr>
+          <p:cNvPr id="3" name="Содержимое 2"/>
+          <p:cNvSpPr>
+            <a:spLocks noGrp="1"/>
+          </p:cNvSpPr>
+          <p:nvPr>
+            <p:ph idx="1"/>
+          </p:nvPr>
+        </p:nvSpPr>
+        <p:spPr/>
+        <p:txBody>
+          <a:bodyPr/>
+          <a:lstStyle/>
+          <a:p>
+            <a:endParaRPr lang="ru-RU" dirty="0"/>
+          </a:p>
+        </p:txBody>
+      </p:sp>
+      <p:sp>
+        <p:nvSpPr>
+          <p:cNvPr id="4" name="Номер слайда 3"/>
+          <p:cNvSpPr>
+            <a:spLocks noGrp="1"/>
+          </p:cNvSpPr>
+          <p:nvPr>
+            <p:ph type="sldNum" sz="quarter" idx="12"/>
+          </p:nvPr>
+        </p:nvSpPr>
+        <p:spPr/>
+        <p:txBody>
+          <a:bodyPr/>
+          <a:lstStyle/>
+          <a:p>
+            <a:pPr>
+              <a:defRPr/>
+            </a:pPr>
+            <a:fld id="{BB3B5E7F-AE2F-46EF-84F8-F046D8633343}" type="slidenum">
+              <a:rPr lang="ru-RU" smtClean="0"/>
+              <a:pPr>
+                <a:defRPr/>
+              </a:pPr>
+              <a:t>16</a:t>
             </a:fld>
             <a:endParaRPr lang="ru-RU" dirty="0"/>
           </a:p>
@@ -5816,7 +5889,7 @@
 </p:sld>
 </file>
 
-<file path=ppt/slides/slide16.xml><?xml version="1.0" encoding="utf-8"?>
+<file path=ppt/slides/slide17.xml><?xml version="1.0" encoding="utf-8"?>
 <p:sld xmlns:a="http://schemas.openxmlformats.org/drawingml/2006/main" xmlns:r="http://schemas.openxmlformats.org/officeDocument/2006/relationships" xmlns:p="http://schemas.openxmlformats.org/presentationml/2006/main">
   <p:cSld>
     <p:spTree>
@@ -5881,23 +5954,7 @@
             </a:pPr>
             <a:r>
               <a:rPr lang="ru-RU" sz="2400" dirty="0" smtClean="0"/>
-              <a:t>Уровень сервера обособлен от вызовов, сервер управляет </a:t>
-            </a:r>
-            <a:r>
-              <a:rPr lang="ru-RU" sz="2400" dirty="0" smtClean="0"/>
-              <a:t>сессиями. Сессии </a:t>
-            </a:r>
-            <a:r>
-              <a:rPr lang="ru-RU" sz="2400" dirty="0" smtClean="0"/>
-              <a:t>–</a:t>
-            </a:r>
-            <a:r>
-              <a:rPr lang="ru-RU" sz="2400" dirty="0" smtClean="0"/>
-              <a:t> логические </a:t>
-            </a:r>
-            <a:r>
-              <a:rPr lang="ru-RU" sz="2400" dirty="0" smtClean="0"/>
-              <a:t>подключения, в рамках главного подключения, соответствующие вызовам.</a:t>
+              <a:t>Уровень сервера обособлен от вызовов, сервер управляет сессиями. Сессии – логические подключения, в рамках главного подключения, соответствующие вызовам.</a:t>
             </a:r>
             <a:endParaRPr lang="ru-RU" sz="2400" dirty="0"/>
           </a:p>
@@ -5926,7 +5983,7 @@
               <a:pPr>
                 <a:defRPr/>
               </a:pPr>
-              <a:t>16</a:t>
+              <a:t>17</a:t>
             </a:fld>
             <a:endParaRPr lang="ru-RU" dirty="0"/>
           </a:p>
@@ -5973,163 +6030,6 @@
 </p:sld>
 </file>
 
-<file path=ppt/slides/slide17.xml><?xml version="1.0" encoding="utf-8"?>
-<p:sld xmlns:a="http://schemas.openxmlformats.org/drawingml/2006/main" xmlns:r="http://schemas.openxmlformats.org/officeDocument/2006/relationships" xmlns:p="http://schemas.openxmlformats.org/presentationml/2006/main">
-  <p:cSld>
-    <p:spTree>
-      <p:nvGrpSpPr>
-        <p:cNvPr id="1" name=""/>
-        <p:cNvGrpSpPr/>
-        <p:nvPr/>
-      </p:nvGrpSpPr>
-      <p:grpSpPr>
-        <a:xfrm>
-          <a:off x="0" y="0"/>
-          <a:ext cx="0" cy="0"/>
-          <a:chOff x="0" y="0"/>
-          <a:chExt cx="0" cy="0"/>
-        </a:xfrm>
-      </p:grpSpPr>
-      <p:sp>
-        <p:nvSpPr>
-          <p:cNvPr id="2" name="Заголовок 1"/>
-          <p:cNvSpPr>
-            <a:spLocks noGrp="1"/>
-          </p:cNvSpPr>
-          <p:nvPr>
-            <p:ph type="title"/>
-          </p:nvPr>
-        </p:nvSpPr>
-        <p:spPr/>
-        <p:txBody>
-          <a:bodyPr/>
-          <a:lstStyle/>
-          <a:p>
-            <a:r>
-              <a:rPr lang="ru-RU" dirty="0" smtClean="0"/>
-              <a:t>Отображение ключей</a:t>
-            </a:r>
-            <a:endParaRPr lang="ru-RU" dirty="0"/>
-          </a:p>
-        </p:txBody>
-      </p:sp>
-      <p:sp>
-        <p:nvSpPr>
-          <p:cNvPr id="3" name="Содержимое 2"/>
-          <p:cNvSpPr>
-            <a:spLocks noGrp="1"/>
-          </p:cNvSpPr>
-          <p:nvPr>
-            <p:ph idx="1"/>
-          </p:nvPr>
-        </p:nvSpPr>
-        <p:spPr>
-          <a:xfrm>
-            <a:off x="457200" y="1250950"/>
-            <a:ext cx="8229600" cy="4875213"/>
-          </a:xfrm>
-        </p:spPr>
-        <p:txBody>
-          <a:bodyPr/>
-          <a:lstStyle/>
-          <a:p>
-            <a:pPr marL="0" indent="539750" algn="just">
-              <a:buNone/>
-            </a:pPr>
-            <a:r>
-              <a:rPr lang="ru-RU" sz="2400" dirty="0" smtClean="0"/>
-              <a:t>Для взаимодействия «Вызов – </a:t>
-            </a:r>
-            <a:r>
-              <a:rPr lang="ru-RU" sz="2400" dirty="0" smtClean="0"/>
-              <a:t>Сессия</a:t>
-            </a:r>
-            <a:r>
-              <a:rPr lang="ru-RU" sz="2400" dirty="0" smtClean="0"/>
-              <a:t>» в </a:t>
-            </a:r>
-            <a:r>
-              <a:rPr lang="ru-RU" sz="2400" dirty="0" smtClean="0"/>
-              <a:t>сервере реализован </a:t>
-            </a:r>
-            <a:r>
-              <a:rPr lang="ru-RU" sz="2400" dirty="0" smtClean="0"/>
-              <a:t>механизм отображения вызовов.</a:t>
-            </a:r>
-            <a:endParaRPr lang="ru-RU" sz="2400" dirty="0"/>
-          </a:p>
-        </p:txBody>
-      </p:sp>
-      <p:sp>
-        <p:nvSpPr>
-          <p:cNvPr id="4" name="Номер слайда 3"/>
-          <p:cNvSpPr>
-            <a:spLocks noGrp="1"/>
-          </p:cNvSpPr>
-          <p:nvPr>
-            <p:ph type="sldNum" sz="quarter" idx="12"/>
-          </p:nvPr>
-        </p:nvSpPr>
-        <p:spPr/>
-        <p:txBody>
-          <a:bodyPr/>
-          <a:lstStyle/>
-          <a:p>
-            <a:pPr>
-              <a:defRPr/>
-            </a:pPr>
-            <a:fld id="{BB3B5E7F-AE2F-46EF-84F8-F046D8633343}" type="slidenum">
-              <a:rPr lang="ru-RU" smtClean="0"/>
-              <a:pPr>
-                <a:defRPr/>
-              </a:pPr>
-              <a:t>17</a:t>
-            </a:fld>
-            <a:endParaRPr lang="ru-RU" dirty="0"/>
-          </a:p>
-        </p:txBody>
-      </p:sp>
-      <p:pic>
-        <p:nvPicPr>
-          <p:cNvPr id="12290" name="Picture 2" descr="C:\Users\Notebook\Desktop\tunel\sibsutis\2015\dpl\diploma_submission\media\server_kays.png"/>
-          <p:cNvPicPr>
-            <a:picLocks noChangeAspect="1" noChangeArrowheads="1"/>
-          </p:cNvPicPr>
-          <p:nvPr/>
-        </p:nvPicPr>
-        <p:blipFill>
-          <a:blip r:embed="rId2"/>
-          <a:srcRect/>
-          <a:stretch>
-            <a:fillRect/>
-          </a:stretch>
-        </p:blipFill>
-        <p:spPr bwMode="auto">
-          <a:xfrm>
-            <a:off x="938213" y="2493963"/>
-            <a:ext cx="7265987" cy="3862387"/>
-          </a:xfrm>
-          <a:prstGeom prst="rect">
-            <a:avLst/>
-          </a:prstGeom>
-          <a:noFill/>
-        </p:spPr>
-      </p:pic>
-    </p:spTree>
-  </p:cSld>
-  <p:clrMapOvr>
-    <a:masterClrMapping/>
-  </p:clrMapOvr>
-  <p:timing>
-    <p:tnLst>
-      <p:par>
-        <p:cTn id="1" dur="indefinite" restart="never" nodeType="tmRoot"/>
-      </p:par>
-    </p:tnLst>
-  </p:timing>
-</p:sld>
-</file>
-
 <file path=ppt/slides/slide18.xml><?xml version="1.0" encoding="utf-8"?>
 <p:sld xmlns:a="http://schemas.openxmlformats.org/drawingml/2006/main" xmlns:r="http://schemas.openxmlformats.org/officeDocument/2006/relationships" xmlns:p="http://schemas.openxmlformats.org/presentationml/2006/main">
   <p:cSld>
@@ -6164,7 +6064,7 @@
           <a:p>
             <a:r>
               <a:rPr lang="ru-RU" dirty="0" smtClean="0"/>
-              <a:t>Обработка сообщений от сервера</a:t>
+              <a:t>Отображение ключей</a:t>
             </a:r>
             <a:endParaRPr lang="ru-RU" dirty="0"/>
           </a:p>
@@ -6182,28 +6082,32 @@
         </p:nvSpPr>
         <p:spPr>
           <a:xfrm>
-            <a:off x="457200" y="1250951"/>
-            <a:ext cx="8229600" cy="933449"/>
+            <a:off x="457200" y="1250950"/>
+            <a:ext cx="8229600" cy="4875213"/>
           </a:xfrm>
         </p:spPr>
         <p:txBody>
           <a:bodyPr/>
           <a:lstStyle/>
           <a:p>
-            <a:pPr marL="0" indent="557213" algn="just">
+            <a:pPr marL="0" indent="539750" algn="just">
               <a:buNone/>
             </a:pPr>
             <a:r>
               <a:rPr lang="ru-RU" sz="2400" dirty="0" smtClean="0"/>
-              <a:t>Обработка сообщений от сервера начнется тогда, когда ядро обработки вызовов передаст управление </a:t>
-            </a:r>
-            <a:r>
-              <a:rPr lang="en-US" sz="2400" dirty="0" smtClean="0"/>
-              <a:t>IVR </a:t>
+              <a:t>Для </a:t>
             </a:r>
             <a:r>
               <a:rPr lang="ru-RU" sz="2400" dirty="0" smtClean="0"/>
-              <a:t>модулю.</a:t>
+              <a:t>связи вызовов с сессиями </a:t>
+            </a:r>
+            <a:r>
+              <a:rPr lang="ru-RU" sz="2400" dirty="0" smtClean="0"/>
+              <a:t>в сервере реализован механизм отображения </a:t>
+            </a:r>
+            <a:r>
+              <a:rPr lang="ru-RU" sz="2400" dirty="0" smtClean="0"/>
+              <a:t>ключей.</a:t>
             </a:r>
             <a:endParaRPr lang="ru-RU" sz="2400" dirty="0"/>
           </a:p>
@@ -6240,8 +6144,10 @@
       </p:sp>
       <p:pic>
         <p:nvPicPr>
-          <p:cNvPr id="5" name="Рисунок 4" descr="E:\tunel\sibsutis\2015\dpl\diploma_submission\media\queues.png"/>
-          <p:cNvPicPr/>
+          <p:cNvPr id="3075" name="Picture 3" descr="E:\tunel\sibsutis\2015\dpl\diploma_submission\media\server_kays1.png"/>
+          <p:cNvPicPr>
+            <a:picLocks noChangeAspect="1" noChangeArrowheads="1"/>
+          </p:cNvPicPr>
           <p:nvPr/>
         </p:nvPicPr>
         <p:blipFill>
@@ -6253,19 +6159,13 @@
         </p:blipFill>
         <p:spPr bwMode="auto">
           <a:xfrm>
-            <a:off x="936303" y="2362200"/>
-            <a:ext cx="7271394" cy="3771900"/>
+            <a:off x="838200" y="2139950"/>
+            <a:ext cx="7789550" cy="4149474"/>
           </a:xfrm>
           <a:prstGeom prst="rect">
             <a:avLst/>
           </a:prstGeom>
           <a:noFill/>
-          <a:ln w="9525">
-            <a:noFill/>
-            <a:miter lim="800000"/>
-            <a:headEnd/>
-            <a:tailEnd/>
-          </a:ln>
         </p:spPr>
       </p:pic>
     </p:spTree>
@@ -6317,7 +6217,7 @@
           <a:p>
             <a:r>
               <a:rPr lang="ru-RU" dirty="0" smtClean="0"/>
-              <a:t>Заключение</a:t>
+              <a:t>Обработка сообщений от сервера</a:t>
             </a:r>
             <a:endParaRPr lang="ru-RU" dirty="0"/>
           </a:p>
@@ -6335,65 +6235,20 @@
         </p:nvSpPr>
         <p:spPr>
           <a:xfrm>
-            <a:off x="457200" y="1295400"/>
-            <a:ext cx="8229600" cy="4830763"/>
+            <a:off x="457200" y="1250951"/>
+            <a:ext cx="8229600" cy="933449"/>
           </a:xfrm>
         </p:spPr>
         <p:txBody>
           <a:bodyPr/>
           <a:lstStyle/>
           <a:p>
-            <a:pPr algn="just"/>
+            <a:pPr marL="0" indent="557213" algn="just">
+              <a:buNone/>
+            </a:pPr>
             <a:r>
               <a:rPr lang="ru-RU" sz="2400" dirty="0" smtClean="0"/>
-              <a:t>В </a:t>
-            </a:r>
-            <a:r>
-              <a:rPr lang="ru-RU" sz="2400" dirty="0" smtClean="0"/>
-              <a:t>результате проделанной работы были выполнены все пункты поставленного технического задания</a:t>
-            </a:r>
-            <a:r>
-              <a:rPr lang="ru-RU" sz="2400" dirty="0" smtClean="0"/>
-              <a:t>.</a:t>
-            </a:r>
-          </a:p>
-          <a:p>
-            <a:pPr algn="just"/>
-            <a:r>
-              <a:rPr lang="ru-RU" sz="2400" dirty="0" smtClean="0"/>
-              <a:t>По завершению разработки </a:t>
-            </a:r>
-            <a:r>
-              <a:rPr lang="en-US" sz="2400" dirty="0" smtClean="0"/>
-              <a:t>IVR</a:t>
-            </a:r>
-            <a:r>
-              <a:rPr lang="ru-RU" sz="2400" dirty="0" smtClean="0"/>
-              <a:t> модуль был внедрен в серийное ПО продуктов </a:t>
-            </a:r>
-            <a:r>
-              <a:rPr lang="en-US" sz="2400" dirty="0" smtClean="0"/>
-              <a:t>SMG</a:t>
-            </a:r>
-            <a:r>
-              <a:rPr lang="ru-RU" sz="2400" dirty="0" smtClean="0"/>
-              <a:t>1016</a:t>
-            </a:r>
-            <a:r>
-              <a:rPr lang="en-US" sz="2400" dirty="0" smtClean="0"/>
-              <a:t>M</a:t>
-            </a:r>
-            <a:r>
-              <a:rPr lang="ru-RU" sz="2400" dirty="0" smtClean="0"/>
-              <a:t> и </a:t>
-            </a:r>
-            <a:r>
-              <a:rPr lang="en-US" sz="2400" dirty="0" smtClean="0"/>
-              <a:t>SMG</a:t>
-            </a:r>
-            <a:r>
-              <a:rPr lang="ru-RU" sz="2400" dirty="0" smtClean="0"/>
-              <a:t>2016, лицензия на модуль </a:t>
+              <a:t>Обработка сообщений от сервера начнется тогда, когда ядро обработки вызовов передаст управление </a:t>
             </a:r>
             <a:r>
               <a:rPr lang="en-US" sz="2400" dirty="0" smtClean="0"/>
@@ -6401,10 +6256,8 @@
             </a:r>
             <a:r>
               <a:rPr lang="ru-RU" sz="2400" dirty="0" smtClean="0"/>
-              <a:t>была добавлена в перечень опций, доступных для клиентов компании.</a:t>
-            </a:r>
-          </a:p>
-          <a:p>
+              <a:t>модулю.</a:t>
+            </a:r>
             <a:endParaRPr lang="ru-RU" sz="2400" dirty="0"/>
           </a:p>
         </p:txBody>
@@ -6438,11 +6291,44 @@
           </a:p>
         </p:txBody>
       </p:sp>
+      <p:pic>
+        <p:nvPicPr>
+          <p:cNvPr id="4098" name="Picture 2" descr="E:\tunel\sibsutis\2015\dpl\diploma_submission\media\queues.png"/>
+          <p:cNvPicPr>
+            <a:picLocks noChangeAspect="1" noChangeArrowheads="1"/>
+          </p:cNvPicPr>
+          <p:nvPr/>
+        </p:nvPicPr>
+        <p:blipFill>
+          <a:blip r:embed="rId2"/>
+          <a:srcRect/>
+          <a:stretch>
+            <a:fillRect/>
+          </a:stretch>
+        </p:blipFill>
+        <p:spPr bwMode="auto">
+          <a:xfrm>
+            <a:off x="457200" y="2317750"/>
+            <a:ext cx="8229600" cy="3845335"/>
+          </a:xfrm>
+          <a:prstGeom prst="rect">
+            <a:avLst/>
+          </a:prstGeom>
+          <a:noFill/>
+        </p:spPr>
+      </p:pic>
     </p:spTree>
   </p:cSld>
   <p:clrMapOvr>
     <a:masterClrMapping/>
   </p:clrMapOvr>
+  <p:timing>
+    <p:tnLst>
+      <p:par>
+        <p:cTn id="1" dur="indefinite" restart="never" nodeType="tmRoot"/>
+      </p:par>
+    </p:tnLst>
+  </p:timing>
 </p:sld>
 </file>
 
@@ -6653,23 +6539,125 @@
             <a:spLocks noGrp="1"/>
           </p:cNvSpPr>
           <p:nvPr>
-            <p:ph type="ctrTitle"/>
+            <p:ph type="title"/>
+          </p:nvPr>
+        </p:nvSpPr>
+        <p:spPr/>
+        <p:txBody>
+          <a:bodyPr/>
+          <a:lstStyle/>
+          <a:p>
+            <a:r>
+              <a:rPr lang="ru-RU" dirty="0" smtClean="0"/>
+              <a:t>Заключение</a:t>
+            </a:r>
+            <a:endParaRPr lang="ru-RU" dirty="0"/>
+          </a:p>
+        </p:txBody>
+      </p:sp>
+      <p:sp>
+        <p:nvSpPr>
+          <p:cNvPr id="3" name="Содержимое 2"/>
+          <p:cNvSpPr>
+            <a:spLocks noGrp="1"/>
+          </p:cNvSpPr>
+          <p:nvPr>
+            <p:ph idx="1"/>
           </p:nvPr>
         </p:nvSpPr>
         <p:spPr>
           <a:xfrm>
-            <a:off x="685800" y="2535039"/>
-            <a:ext cx="7772400" cy="1470025"/>
+            <a:off x="457200" y="1295400"/>
+            <a:ext cx="8229600" cy="4830763"/>
           </a:xfrm>
         </p:spPr>
         <p:txBody>
           <a:bodyPr/>
           <a:lstStyle/>
           <a:p>
-            <a:r>
-              <a:rPr lang="ru-RU" dirty="0" smtClean="0"/>
-              <a:t>СПАСИБО ЗА ВНИМАНИЕ!</a:t>
-            </a:r>
+            <a:pPr algn="just"/>
+            <a:r>
+              <a:rPr lang="ru-RU" sz="2400" dirty="0" smtClean="0"/>
+              <a:t>В результате проделанной работы были выполнены все пункты поставленного технического задания.</a:t>
+            </a:r>
+          </a:p>
+          <a:p>
+            <a:pPr algn="just"/>
+            <a:r>
+              <a:rPr lang="ru-RU" sz="2400" dirty="0" smtClean="0"/>
+              <a:t>По завершению разработки </a:t>
+            </a:r>
+            <a:r>
+              <a:rPr lang="en-US" sz="2400" dirty="0" smtClean="0"/>
+              <a:t>IVR</a:t>
+            </a:r>
+            <a:r>
+              <a:rPr lang="ru-RU" sz="2400" dirty="0" smtClean="0"/>
+              <a:t> модуль был внедрен в серийное ПО продуктов </a:t>
+            </a:r>
+            <a:r>
+              <a:rPr lang="en-US" sz="2400" dirty="0" smtClean="0"/>
+              <a:t>SMG</a:t>
+            </a:r>
+            <a:r>
+              <a:rPr lang="ru-RU" sz="2400" dirty="0" smtClean="0"/>
+              <a:t>1016</a:t>
+            </a:r>
+            <a:r>
+              <a:rPr lang="en-US" sz="2400" dirty="0" smtClean="0"/>
+              <a:t>M</a:t>
+            </a:r>
+            <a:r>
+              <a:rPr lang="ru-RU" sz="2400" dirty="0" smtClean="0"/>
+              <a:t> и </a:t>
+            </a:r>
+            <a:r>
+              <a:rPr lang="en-US" sz="2400" dirty="0" smtClean="0"/>
+              <a:t>SMG</a:t>
+            </a:r>
+            <a:r>
+              <a:rPr lang="ru-RU" sz="2400" dirty="0" smtClean="0"/>
+              <a:t>2016, лицензия на модуль </a:t>
+            </a:r>
+            <a:r>
+              <a:rPr lang="en-US" sz="2400" dirty="0" smtClean="0"/>
+              <a:t>IVR </a:t>
+            </a:r>
+            <a:r>
+              <a:rPr lang="ru-RU" sz="2400" dirty="0" smtClean="0"/>
+              <a:t>была добавлена в перечень опций, доступных для клиентов компании.</a:t>
+            </a:r>
+          </a:p>
+          <a:p>
+            <a:endParaRPr lang="ru-RU" sz="2400" dirty="0"/>
+          </a:p>
+        </p:txBody>
+      </p:sp>
+      <p:sp>
+        <p:nvSpPr>
+          <p:cNvPr id="4" name="Номер слайда 3"/>
+          <p:cNvSpPr>
+            <a:spLocks noGrp="1"/>
+          </p:cNvSpPr>
+          <p:nvPr>
+            <p:ph type="sldNum" sz="quarter" idx="12"/>
+          </p:nvPr>
+        </p:nvSpPr>
+        <p:spPr/>
+        <p:txBody>
+          <a:bodyPr/>
+          <a:lstStyle/>
+          <a:p>
+            <a:pPr>
+              <a:defRPr/>
+            </a:pPr>
+            <a:fld id="{BB3B5E7F-AE2F-46EF-84F8-F046D8633343}" type="slidenum">
+              <a:rPr lang="ru-RU" smtClean="0"/>
+              <a:pPr>
+                <a:defRPr/>
+              </a:pPr>
+              <a:t>20</a:t>
+            </a:fld>
             <a:endParaRPr lang="ru-RU" dirty="0"/>
           </a:p>
         </p:txBody>
@@ -6679,13 +6667,6 @@
   <p:clrMapOvr>
     <a:masterClrMapping/>
   </p:clrMapOvr>
-  <p:timing>
-    <p:tnLst>
-      <p:par>
-        <p:cTn id="1" dur="indefinite" restart="never" nodeType="tmRoot"/>
-      </p:par>
-    </p:tnLst>
-  </p:timing>
 </p:sld>
 </file>
 
@@ -6713,94 +6694,27 @@
             <a:spLocks noGrp="1"/>
           </p:cNvSpPr>
           <p:nvPr>
-            <p:ph type="title"/>
-          </p:nvPr>
-        </p:nvSpPr>
-        <p:spPr/>
+            <p:ph type="ctrTitle"/>
+          </p:nvPr>
+        </p:nvSpPr>
+        <p:spPr>
+          <a:xfrm>
+            <a:off x="685800" y="2535039"/>
+            <a:ext cx="7772400" cy="1470025"/>
+          </a:xfrm>
+        </p:spPr>
         <p:txBody>
           <a:bodyPr/>
           <a:lstStyle/>
           <a:p>
             <a:r>
               <a:rPr lang="ru-RU" dirty="0" smtClean="0"/>
-              <a:t>Функциональная </a:t>
-            </a:r>
-            <a:r>
-              <a:rPr lang="ru-RU" dirty="0" smtClean="0"/>
-              <a:t>схема</a:t>
-            </a:r>
-            <a:br>
-              <a:rPr lang="ru-RU" dirty="0" smtClean="0"/>
-            </a:br>
-            <a:r>
-              <a:rPr lang="ru-RU" dirty="0" smtClean="0"/>
-              <a:t>SMG–1016</a:t>
-            </a:r>
-            <a:r>
-              <a:rPr lang="en-US" dirty="0" smtClean="0"/>
-              <a:t>M</a:t>
+              <a:t>СПАСИБО ЗА ВНИМАНИЕ!</a:t>
             </a:r>
             <a:endParaRPr lang="ru-RU" dirty="0"/>
           </a:p>
         </p:txBody>
       </p:sp>
-      <p:sp>
-        <p:nvSpPr>
-          <p:cNvPr id="4" name="Номер слайда 3"/>
-          <p:cNvSpPr>
-            <a:spLocks noGrp="1"/>
-          </p:cNvSpPr>
-          <p:nvPr>
-            <p:ph type="sldNum" sz="quarter" idx="12"/>
-          </p:nvPr>
-        </p:nvSpPr>
-        <p:spPr/>
-        <p:txBody>
-          <a:bodyPr/>
-          <a:lstStyle/>
-          <a:p>
-            <a:pPr>
-              <a:defRPr/>
-            </a:pPr>
-            <a:fld id="{BB3B5E7F-AE2F-46EF-84F8-F046D8633343}" type="slidenum">
-              <a:rPr lang="ru-RU" smtClean="0"/>
-              <a:pPr>
-                <a:defRPr/>
-              </a:pPr>
-              <a:t>21</a:t>
-            </a:fld>
-            <a:endParaRPr lang="ru-RU" dirty="0"/>
-          </a:p>
-        </p:txBody>
-      </p:sp>
-      <p:pic>
-        <p:nvPicPr>
-          <p:cNvPr id="2051" name="Picture 3" descr="C:\Users\Notebook\Desktop\tunel\sibsutis\2015\dpl\diploma_submission\media\hw_scheme.png"/>
-          <p:cNvPicPr>
-            <a:picLocks noGrp="1" noChangeAspect="1" noChangeArrowheads="1"/>
-          </p:cNvPicPr>
-          <p:nvPr>
-            <p:ph idx="1"/>
-          </p:nvPr>
-        </p:nvPicPr>
-        <p:blipFill>
-          <a:blip r:embed="rId2"/>
-          <a:srcRect/>
-          <a:stretch>
-            <a:fillRect/>
-          </a:stretch>
-        </p:blipFill>
-        <p:spPr bwMode="auto">
-          <a:xfrm>
-            <a:off x="2142233" y="1282700"/>
-            <a:ext cx="4859533" cy="5073650"/>
-          </a:xfrm>
-          <a:prstGeom prst="rect">
-            <a:avLst/>
-          </a:prstGeom>
-          <a:noFill/>
-        </p:spPr>
-      </p:pic>
     </p:spTree>
   </p:cSld>
   <p:clrMapOvr>
@@ -6850,7 +6764,18 @@
           <a:p>
             <a:r>
               <a:rPr lang="ru-RU" dirty="0" smtClean="0"/>
-              <a:t>Связь «Вызов – Подключение»</a:t>
+              <a:t>Функциональная схема</a:t>
+            </a:r>
+            <a:br>
+              <a:rPr lang="ru-RU" dirty="0" smtClean="0"/>
+            </a:br>
+            <a:r>
+              <a:rPr lang="ru-RU" dirty="0" smtClean="0"/>
+              <a:t>SMG–1016</a:t>
+            </a:r>
+            <a:r>
+              <a:rPr lang="en-US" dirty="0" smtClean="0"/>
+              <a:t>M</a:t>
             </a:r>
             <a:endParaRPr lang="ru-RU" dirty="0"/>
           </a:p>
@@ -6887,7 +6812,7 @@
       </p:sp>
       <p:pic>
         <p:nvPicPr>
-          <p:cNvPr id="7170" name="Picture 2" descr="C:\Users\Notebook\Desktop\tunel\sibsutis\2015\dpl\diploma_submission\media\server_kays.png"/>
+          <p:cNvPr id="2051" name="Picture 3" descr="C:\Users\Notebook\Desktop\tunel\sibsutis\2015\dpl\diploma_submission\media\hw_scheme.png"/>
           <p:cNvPicPr>
             <a:picLocks noGrp="1" noChangeAspect="1" noChangeArrowheads="1"/>
           </p:cNvPicPr>
@@ -6904,8 +6829,8 @@
         </p:blipFill>
         <p:spPr bwMode="auto">
           <a:xfrm>
-            <a:off x="940253" y="1962150"/>
-            <a:ext cx="7263493" cy="3860318"/>
+            <a:off x="2142233" y="1282700"/>
+            <a:ext cx="4859533" cy="5073650"/>
           </a:xfrm>
           <a:prstGeom prst="rect">
             <a:avLst/>
@@ -6960,11 +6885,26 @@
           <a:bodyPr/>
           <a:lstStyle/>
           <a:p>
-            <a:r>
-              <a:rPr lang="ru-RU" dirty="0" err="1" smtClean="0"/>
-              <a:t>Автосекретарь</a:t>
-            </a:r>
-            <a:endParaRPr lang="ru-RU" dirty="0"/>
+            <a:endParaRPr lang="ru-RU"/>
+          </a:p>
+        </p:txBody>
+      </p:sp>
+      <p:sp>
+        <p:nvSpPr>
+          <p:cNvPr id="3" name="Содержимое 2"/>
+          <p:cNvSpPr>
+            <a:spLocks noGrp="1"/>
+          </p:cNvSpPr>
+          <p:nvPr>
+            <p:ph idx="1"/>
+          </p:nvPr>
+        </p:nvSpPr>
+        <p:spPr/>
+        <p:txBody>
+          <a:bodyPr/>
+          <a:lstStyle/>
+          <a:p>
+            <a:endParaRPr lang="ru-RU"/>
           </a:p>
         </p:txBody>
       </p:sp>
@@ -6997,34 +6937,6 @@
           </a:p>
         </p:txBody>
       </p:sp>
-      <p:pic>
-        <p:nvPicPr>
-          <p:cNvPr id="5122" name="Picture 2" descr="C:\Users\Notebook\Desktop\tunel\sibsutis\2015\dpl\diploma_submission\IVR_redactor\Screenshot from 2015-05-17 14_58_37.png"/>
-          <p:cNvPicPr>
-            <a:picLocks noGrp="1" noChangeAspect="1" noChangeArrowheads="1"/>
-          </p:cNvPicPr>
-          <p:nvPr>
-            <p:ph idx="1"/>
-          </p:nvPr>
-        </p:nvPicPr>
-        <p:blipFill>
-          <a:blip r:embed="rId2"/>
-          <a:srcRect/>
-          <a:stretch>
-            <a:fillRect/>
-          </a:stretch>
-        </p:blipFill>
-        <p:spPr bwMode="auto">
-          <a:xfrm>
-            <a:off x="297273" y="1387202"/>
-            <a:ext cx="8549453" cy="4575447"/>
-          </a:xfrm>
-          <a:prstGeom prst="rect">
-            <a:avLst/>
-          </a:prstGeom>
-          <a:noFill/>
-        </p:spPr>
-      </p:pic>
     </p:spTree>
   </p:cSld>
   <p:clrMapOvr>
@@ -7129,13 +7041,6 @@
   <p:clrMapOvr>
     <a:masterClrMapping/>
   </p:clrMapOvr>
-  <p:timing>
-    <p:tnLst>
-      <p:par>
-        <p:cTn id="1" dur="indefinite" restart="never" nodeType="tmRoot"/>
-      </p:par>
-    </p:tnLst>
-  </p:timing>
 </p:sld>
 </file>
 
@@ -7218,98 +7123,6 @@
                 <a:defRPr/>
               </a:pPr>
               <a:t>25</a:t>
-            </a:fld>
-            <a:endParaRPr lang="ru-RU" dirty="0"/>
-          </a:p>
-        </p:txBody>
-      </p:sp>
-    </p:spTree>
-  </p:cSld>
-  <p:clrMapOvr>
-    <a:masterClrMapping/>
-  </p:clrMapOvr>
-</p:sld>
-</file>
-
-<file path=ppt/slides/slide26.xml><?xml version="1.0" encoding="utf-8"?>
-<p:sld xmlns:a="http://schemas.openxmlformats.org/drawingml/2006/main" xmlns:r="http://schemas.openxmlformats.org/officeDocument/2006/relationships" xmlns:p="http://schemas.openxmlformats.org/presentationml/2006/main">
-  <p:cSld>
-    <p:spTree>
-      <p:nvGrpSpPr>
-        <p:cNvPr id="1" name=""/>
-        <p:cNvGrpSpPr/>
-        <p:nvPr/>
-      </p:nvGrpSpPr>
-      <p:grpSpPr>
-        <a:xfrm>
-          <a:off x="0" y="0"/>
-          <a:ext cx="0" cy="0"/>
-          <a:chOff x="0" y="0"/>
-          <a:chExt cx="0" cy="0"/>
-        </a:xfrm>
-      </p:grpSpPr>
-      <p:sp>
-        <p:nvSpPr>
-          <p:cNvPr id="2" name="Заголовок 1"/>
-          <p:cNvSpPr>
-            <a:spLocks noGrp="1"/>
-          </p:cNvSpPr>
-          <p:nvPr>
-            <p:ph type="title"/>
-          </p:nvPr>
-        </p:nvSpPr>
-        <p:spPr/>
-        <p:txBody>
-          <a:bodyPr/>
-          <a:lstStyle/>
-          <a:p>
-            <a:endParaRPr lang="ru-RU"/>
-          </a:p>
-        </p:txBody>
-      </p:sp>
-      <p:sp>
-        <p:nvSpPr>
-          <p:cNvPr id="3" name="Содержимое 2"/>
-          <p:cNvSpPr>
-            <a:spLocks noGrp="1"/>
-          </p:cNvSpPr>
-          <p:nvPr>
-            <p:ph idx="1"/>
-          </p:nvPr>
-        </p:nvSpPr>
-        <p:spPr/>
-        <p:txBody>
-          <a:bodyPr/>
-          <a:lstStyle/>
-          <a:p>
-            <a:endParaRPr lang="ru-RU"/>
-          </a:p>
-        </p:txBody>
-      </p:sp>
-      <p:sp>
-        <p:nvSpPr>
-          <p:cNvPr id="4" name="Номер слайда 3"/>
-          <p:cNvSpPr>
-            <a:spLocks noGrp="1"/>
-          </p:cNvSpPr>
-          <p:nvPr>
-            <p:ph type="sldNum" sz="quarter" idx="12"/>
-          </p:nvPr>
-        </p:nvSpPr>
-        <p:spPr/>
-        <p:txBody>
-          <a:bodyPr/>
-          <a:lstStyle/>
-          <a:p>
-            <a:pPr>
-              <a:defRPr/>
-            </a:pPr>
-            <a:fld id="{BB3B5E7F-AE2F-46EF-84F8-F046D8633343}" type="slidenum">
-              <a:rPr lang="ru-RU" smtClean="0"/>
-              <a:pPr>
-                <a:defRPr/>
-              </a:pPr>
-              <a:t>26</a:t>
             </a:fld>
             <a:endParaRPr lang="ru-RU" dirty="0"/>
           </a:p>
@@ -7386,64 +7199,28 @@
             <a:pPr algn="just"/>
             <a:r>
               <a:rPr lang="ru-RU" sz="2400" dirty="0" smtClean="0"/>
-              <a:t>Количество </a:t>
-            </a:r>
+              <a:t>Количество поддерживаемых протоколов сигнализации должно соответствовать протоколам, поддерживаемым на устройстве;</a:t>
+            </a:r>
+          </a:p>
+          <a:p>
+            <a:pPr algn="just"/>
             <a:r>
               <a:rPr lang="ru-RU" sz="2400" dirty="0" smtClean="0"/>
-              <a:t>поддерживаемых протоколов сигнализации должно соответствовать протоколам, поддерживаемым на </a:t>
-            </a:r>
+              <a:t>Модульная архитектура устойчивая к отказам;</a:t>
+            </a:r>
+          </a:p>
+          <a:p>
+            <a:pPr algn="just"/>
             <a:r>
               <a:rPr lang="ru-RU" sz="2400" dirty="0" smtClean="0"/>
-              <a:t>устройстве;</a:t>
+              <a:t>Производительность не ниже производительности основной системы обработки вызовов;</a:t>
             </a:r>
           </a:p>
           <a:p>
             <a:pPr algn="just"/>
             <a:r>
               <a:rPr lang="ru-RU" sz="2400" dirty="0" smtClean="0"/>
-              <a:t>Модульная </a:t>
-            </a:r>
-            <a:r>
-              <a:rPr lang="ru-RU" sz="2400" dirty="0" smtClean="0"/>
-              <a:t>архитектура устойчивая к </a:t>
-            </a:r>
-            <a:r>
-              <a:rPr lang="ru-RU" sz="2400" dirty="0" smtClean="0"/>
-              <a:t>отказам;</a:t>
-            </a:r>
-          </a:p>
-          <a:p>
-            <a:pPr algn="just"/>
-            <a:r>
-              <a:rPr lang="ru-RU" sz="2400" dirty="0" smtClean="0"/>
-              <a:t>Производительность </a:t>
-            </a:r>
-            <a:r>
-              <a:rPr lang="ru-RU" sz="2400" dirty="0" smtClean="0"/>
-              <a:t>не </a:t>
-            </a:r>
-            <a:r>
-              <a:rPr lang="ru-RU" sz="2400" dirty="0" smtClean="0"/>
-              <a:t>ниже производительности </a:t>
-            </a:r>
-            <a:r>
-              <a:rPr lang="ru-RU" sz="2400" dirty="0" smtClean="0"/>
-              <a:t>основной системы обработки </a:t>
-            </a:r>
-            <a:r>
-              <a:rPr lang="ru-RU" sz="2400" dirty="0" smtClean="0"/>
-              <a:t>вызовов;</a:t>
-            </a:r>
-          </a:p>
-          <a:p>
-            <a:pPr algn="just"/>
-            <a:r>
-              <a:rPr lang="ru-RU" sz="2400" dirty="0" smtClean="0"/>
-              <a:t>Поддержка </a:t>
-            </a:r>
-            <a:r>
-              <a:rPr lang="ru-RU" sz="2400" dirty="0" smtClean="0"/>
-              <a:t>функциональных блоков: «</a:t>
+              <a:t>Поддержка функциональных блоков: «</a:t>
             </a:r>
             <a:r>
               <a:rPr lang="en-US" sz="2400" dirty="0" smtClean="0"/>
@@ -7491,11 +7268,7 @@
             </a:r>
             <a:r>
               <a:rPr lang="ru-RU" sz="2400" dirty="0" smtClean="0"/>
-              <a:t>», </a:t>
-            </a:r>
-            <a:r>
-              <a:rPr lang="ru-RU" sz="2400" dirty="0" smtClean="0"/>
-              <a:t>«</a:t>
+              <a:t>», «</a:t>
             </a:r>
             <a:r>
               <a:rPr lang="en-US" sz="2400" dirty="0" smtClean="0"/>
@@ -7773,7 +7546,11 @@
             </a:pPr>
             <a:r>
               <a:rPr lang="ru-RU" sz="2400" dirty="0" smtClean="0"/>
-              <a:t>Сценарии обработки</a:t>
+              <a:t>Сценарии обработки создаются с помощью </a:t>
+            </a:r>
+            <a:r>
+              <a:rPr lang="ru-RU" sz="2400" dirty="0" err="1" smtClean="0"/>
+              <a:t>веб</a:t>
             </a:r>
             <a:r>
               <a:rPr lang="ru-RU" sz="2400" dirty="0" smtClean="0"/>
@@ -7781,35 +7558,7 @@
             </a:r>
             <a:r>
               <a:rPr lang="ru-RU" sz="2400" dirty="0" smtClean="0"/>
-              <a:t>создаются с помощью </a:t>
-            </a:r>
-            <a:r>
-              <a:rPr lang="ru-RU" sz="2400" dirty="0" err="1" smtClean="0"/>
-              <a:t>web</a:t>
-            </a:r>
-            <a:r>
-              <a:rPr lang="ru-RU" sz="2400" dirty="0" smtClean="0"/>
-              <a:t> – интерфейса администратором </a:t>
-            </a:r>
-            <a:r>
-              <a:rPr lang="ru-RU" sz="2400" dirty="0" smtClean="0"/>
-              <a:t>устройства и представляют </a:t>
-            </a:r>
-            <a:r>
-              <a:rPr lang="ru-RU" sz="2400" dirty="0" smtClean="0"/>
-              <a:t>собой </a:t>
-            </a:r>
-            <a:r>
-              <a:rPr lang="ru-RU" sz="2400" dirty="0" smtClean="0"/>
-              <a:t>отдельные файлы </a:t>
-            </a:r>
-            <a:r>
-              <a:rPr lang="ru-RU" sz="2400" dirty="0" smtClean="0"/>
-              <a:t>в формате JSON с описанием блоков их связей и </a:t>
-            </a:r>
-            <a:r>
-              <a:rPr lang="ru-RU" sz="2400" dirty="0" smtClean="0"/>
-              <a:t>параметров. </a:t>
+              <a:t>– интерфейса администратором устройства и представляют собой отдельные файлы в формате JSON с описанием блоков их связей и параметров. </a:t>
             </a:r>
             <a:endParaRPr lang="ru-RU" sz="2400" dirty="0"/>
           </a:p>
@@ -7954,27 +7703,7 @@
             </a:r>
             <a:r>
               <a:rPr lang="ru-RU" sz="2400" dirty="0" smtClean="0"/>
-              <a:t> процессор </a:t>
-            </a:r>
-            <a:r>
-              <a:rPr lang="ru-RU" sz="2400" dirty="0" smtClean="0"/>
-              <a:t>– модуль </a:t>
-            </a:r>
-            <a:r>
-              <a:rPr lang="ru-RU" sz="2400" dirty="0" smtClean="0"/>
-              <a:t>управления </a:t>
-            </a:r>
-            <a:r>
-              <a:rPr lang="ru-RU" sz="2400" dirty="0" smtClean="0"/>
-              <a:t>сценариями, в </a:t>
-            </a:r>
-            <a:r>
-              <a:rPr lang="ru-RU" sz="2400" dirty="0" smtClean="0"/>
-              <a:t>системе представлен в виде отдельного процесса. На основе </a:t>
-            </a:r>
-            <a:r>
-              <a:rPr lang="ru-RU" sz="2400" dirty="0" smtClean="0"/>
-              <a:t>блоков обрабатываемого сценария </a:t>
+              <a:t> процессор – модуль управления сценариями, в системе представлен в виде отдельного процесса. На основе блоков обрабатываемого сценария </a:t>
             </a:r>
             <a:r>
               <a:rPr lang="en-US" sz="2400" dirty="0" smtClean="0"/>
@@ -7982,19 +7711,7 @@
             </a:r>
             <a:r>
               <a:rPr lang="ru-RU" sz="2400" dirty="0" smtClean="0"/>
-              <a:t> </a:t>
-            </a:r>
-            <a:r>
-              <a:rPr lang="ru-RU" sz="2400" dirty="0" smtClean="0"/>
-              <a:t>процессор формирует </a:t>
-            </a:r>
-            <a:r>
-              <a:rPr lang="ru-RU" sz="2400" dirty="0" smtClean="0"/>
-              <a:t>управляющие команды с помощью которых </a:t>
-            </a:r>
-            <a:r>
-              <a:rPr lang="ru-RU" sz="2400" dirty="0" smtClean="0"/>
-              <a:t>модуль IVR осуществляет управления вызовами.</a:t>
+              <a:t> процессор формирует управляющие команды с помощью которых модуль IVR осуществляет управления вызовами.</a:t>
             </a:r>
             <a:endParaRPr lang="ru-RU" sz="2400" dirty="0"/>
           </a:p>
@@ -8104,15 +7821,15 @@
           <a:p>
             <a:r>
               <a:rPr lang="ru-RU" dirty="0" smtClean="0"/>
-              <a:t>Внутреннее устройство </a:t>
+              <a:t>Структура </a:t>
+            </a:r>
+            <a:r>
+              <a:rPr lang="ru-RU" dirty="0" smtClean="0"/>
+              <a:t>модуля </a:t>
             </a:r>
             <a:r>
               <a:rPr lang="en-US" dirty="0" smtClean="0"/>
-              <a:t>IVR </a:t>
-            </a:r>
-            <a:r>
-              <a:rPr lang="ru-RU" dirty="0" smtClean="0"/>
-              <a:t>модуля</a:t>
+              <a:t>IVR</a:t>
             </a:r>
             <a:endParaRPr lang="ru-RU" dirty="0"/>
           </a:p>
@@ -8258,15 +7975,15 @@
             </a:pPr>
             <a:r>
               <a:rPr lang="ru-RU" sz="2400" dirty="0" smtClean="0"/>
-              <a:t>Система обработки вызова представляет собой систему модулей которая состоит из 4 транспортных модулей протокольного уровня и ядра обработки </a:t>
+              <a:t>Система обработки вызова представляет собой систему </a:t>
             </a:r>
             <a:r>
               <a:rPr lang="ru-RU" sz="2400" dirty="0" smtClean="0"/>
-              <a:t>вызовов </a:t>
+              <a:t>из </a:t>
             </a:r>
             <a:r>
               <a:rPr lang="ru-RU" sz="2400" dirty="0" smtClean="0"/>
-              <a:t>(</a:t>
+              <a:t>4 транспортных модулей протокольного уровня и ядра обработки вызовов (</a:t>
             </a:r>
             <a:r>
               <a:rPr lang="en-US" sz="2400" dirty="0" smtClean="0"/>
@@ -8274,11 +7991,7 @@
             </a:r>
             <a:r>
               <a:rPr lang="ru-RU" sz="2400" dirty="0" smtClean="0"/>
-              <a:t>)</a:t>
-            </a:r>
-            <a:r>
-              <a:rPr lang="ru-RU" sz="2400" dirty="0" smtClean="0"/>
-              <a:t>.</a:t>
+              <a:t>).</a:t>
             </a:r>
             <a:endParaRPr lang="ru-RU" sz="2400" dirty="0"/>
           </a:p>
@@ -8315,8 +8028,10 @@
       </p:sp>
       <p:pic>
         <p:nvPicPr>
-          <p:cNvPr id="8" name="Рисунок 7" descr="E:\tunel\sibsutis\2015\dpl\diploma_submission\media\PBX_core1 (1).png"/>
-          <p:cNvPicPr/>
+          <p:cNvPr id="1026" name="Picture 2" descr="E:\tunel\sibsutis\2015\dpl\diploma_submission\media\PBX_core1 (1).png"/>
+          <p:cNvPicPr>
+            <a:picLocks noChangeAspect="1" noChangeArrowheads="1"/>
+          </p:cNvPicPr>
           <p:nvPr/>
         </p:nvPicPr>
         <p:blipFill>
@@ -8328,19 +8043,13 @@
         </p:blipFill>
         <p:spPr bwMode="auto">
           <a:xfrm>
-            <a:off x="2266971" y="2540001"/>
-            <a:ext cx="4610058" cy="3816349"/>
+            <a:off x="2171700" y="2540001"/>
+            <a:ext cx="4792624" cy="3816349"/>
           </a:xfrm>
           <a:prstGeom prst="rect">
             <a:avLst/>
           </a:prstGeom>
           <a:noFill/>
-          <a:ln w="9525">
-            <a:noFill/>
-            <a:miter lim="800000"/>
-            <a:headEnd/>
-            <a:tailEnd/>
-          </a:ln>
         </p:spPr>
       </p:pic>
     </p:spTree>
@@ -8439,15 +8148,7 @@
             </a:r>
             <a:r>
               <a:rPr lang="ru-RU" sz="2400" dirty="0" smtClean="0"/>
-              <a:t>– унифицированное </a:t>
-            </a:r>
-            <a:r>
-              <a:rPr lang="ru-RU" sz="2400" dirty="0" smtClean="0"/>
-              <a:t>представление вызова во внутренней схеме обработки вызова</a:t>
-            </a:r>
-            <a:r>
-              <a:rPr lang="ru-RU" sz="2400" dirty="0" smtClean="0"/>
-              <a:t>.</a:t>
+              <a:t>– унифицированное представление вызова во внутренней схеме обработки вызова.</a:t>
             </a:r>
             <a:endParaRPr lang="en-US" sz="2400" dirty="0" smtClean="0"/>
           </a:p>
@@ -8490,8 +8191,10 @@
       </p:sp>
       <p:pic>
         <p:nvPicPr>
-          <p:cNvPr id="5" name="Рисунок 4" descr="E:\tunel\sibsutis\2015\dpl\diploma_submission\media\PBX_core.png"/>
-          <p:cNvPicPr/>
+          <p:cNvPr id="2050" name="Picture 2" descr="E:\tunel\sibsutis\2015\dpl\diploma_submission\media\PBX_core.png"/>
+          <p:cNvPicPr>
+            <a:picLocks noChangeAspect="1" noChangeArrowheads="1"/>
+          </p:cNvPicPr>
           <p:nvPr/>
         </p:nvPicPr>
         <p:blipFill>
@@ -8503,19 +8206,13 @@
         </p:blipFill>
         <p:spPr bwMode="auto">
           <a:xfrm>
-            <a:off x="2270226" y="2495551"/>
-            <a:ext cx="4603547" cy="3860800"/>
+            <a:off x="2171700" y="2540000"/>
+            <a:ext cx="4756150" cy="3816350"/>
           </a:xfrm>
           <a:prstGeom prst="rect">
             <a:avLst/>
           </a:prstGeom>
           <a:noFill/>
-          <a:ln w="9525">
-            <a:noFill/>
-            <a:miter lim="800000"/>
-            <a:headEnd/>
-            <a:tailEnd/>
-          </a:ln>
         </p:spPr>
       </p:pic>
     </p:spTree>

--- a/sibsutis/2015/dpl/DPL_pres.pptx
+++ b/sibsutis/2015/dpl/DPL_pres.pptx
@@ -14,21 +14,21 @@
     <p:sldId id="301" r:id="rId5"/>
     <p:sldId id="290" r:id="rId6"/>
     <p:sldId id="291" r:id="rId7"/>
-    <p:sldId id="285" r:id="rId8"/>
-    <p:sldId id="284" r:id="rId9"/>
-    <p:sldId id="286" r:id="rId10"/>
+    <p:sldId id="284" r:id="rId8"/>
+    <p:sldId id="286" r:id="rId9"/>
+    <p:sldId id="285" r:id="rId10"/>
     <p:sldId id="287" r:id="rId11"/>
     <p:sldId id="288" r:id="rId12"/>
     <p:sldId id="307" r:id="rId13"/>
     <p:sldId id="300" r:id="rId14"/>
     <p:sldId id="289" r:id="rId15"/>
     <p:sldId id="292" r:id="rId16"/>
-    <p:sldId id="295" r:id="rId17"/>
-    <p:sldId id="296" r:id="rId18"/>
-    <p:sldId id="305" r:id="rId19"/>
-    <p:sldId id="293" r:id="rId20"/>
-    <p:sldId id="306" r:id="rId21"/>
-    <p:sldId id="267" r:id="rId22"/>
+    <p:sldId id="296" r:id="rId17"/>
+    <p:sldId id="295" r:id="rId18"/>
+    <p:sldId id="293" r:id="rId19"/>
+    <p:sldId id="306" r:id="rId20"/>
+    <p:sldId id="267" r:id="rId21"/>
+    <p:sldId id="305" r:id="rId22"/>
     <p:sldId id="297" r:id="rId23"/>
     <p:sldId id="299" r:id="rId24"/>
     <p:sldId id="302" r:id="rId25"/>
@@ -273,7 +273,7 @@
               <a:pPr>
                 <a:defRPr/>
               </a:pPr>
-              <a:t>19.06.2015</a:t>
+              <a:t>21.06.2015</a:t>
             </a:fld>
             <a:endParaRPr lang="ru-RU"/>
           </a:p>
@@ -786,7 +786,7 @@
               <a:pPr>
                 <a:defRPr/>
               </a:pPr>
-              <a:t>19.06.2015</a:t>
+              <a:t>21.06.2015</a:t>
             </a:fld>
             <a:endParaRPr lang="ru-RU"/>
           </a:p>
@@ -978,7 +978,7 @@
               <a:pPr>
                 <a:defRPr/>
               </a:pPr>
-              <a:t>19.06.2015</a:t>
+              <a:t>21.06.2015</a:t>
             </a:fld>
             <a:endParaRPr lang="ru-RU"/>
           </a:p>
@@ -1180,7 +1180,7 @@
               <a:pPr>
                 <a:defRPr/>
               </a:pPr>
-              <a:t>19.06.2015</a:t>
+              <a:t>21.06.2015</a:t>
             </a:fld>
             <a:endParaRPr lang="ru-RU"/>
           </a:p>
@@ -1393,7 +1393,7 @@
               <a:pPr>
                 <a:defRPr/>
               </a:pPr>
-              <a:t>19.06.2015</a:t>
+              <a:t>21.06.2015</a:t>
             </a:fld>
             <a:endParaRPr lang="ru-RU"/>
           </a:p>
@@ -1663,7 +1663,7 @@
               <a:pPr>
                 <a:defRPr/>
               </a:pPr>
-              <a:t>19.06.2015</a:t>
+              <a:t>21.06.2015</a:t>
             </a:fld>
             <a:endParaRPr lang="ru-RU"/>
           </a:p>
@@ -1978,7 +1978,7 @@
               <a:pPr>
                 <a:defRPr/>
               </a:pPr>
-              <a:t>19.06.2015</a:t>
+              <a:t>21.06.2015</a:t>
             </a:fld>
             <a:endParaRPr lang="ru-RU"/>
           </a:p>
@@ -2427,7 +2427,7 @@
               <a:pPr>
                 <a:defRPr/>
               </a:pPr>
-              <a:t>19.06.2015</a:t>
+              <a:t>21.06.2015</a:t>
             </a:fld>
             <a:endParaRPr lang="ru-RU"/>
           </a:p>
@@ -2572,7 +2572,7 @@
               <a:pPr>
                 <a:defRPr/>
               </a:pPr>
-              <a:t>19.06.2015</a:t>
+              <a:t>21.06.2015</a:t>
             </a:fld>
             <a:endParaRPr lang="ru-RU"/>
           </a:p>
@@ -2689,7 +2689,7 @@
               <a:pPr>
                 <a:defRPr/>
               </a:pPr>
-              <a:t>19.06.2015</a:t>
+              <a:t>21.06.2015</a:t>
             </a:fld>
             <a:endParaRPr lang="ru-RU"/>
           </a:p>
@@ -2988,7 +2988,7 @@
               <a:pPr>
                 <a:defRPr/>
               </a:pPr>
-              <a:t>19.06.2015</a:t>
+              <a:t>21.06.2015</a:t>
             </a:fld>
             <a:endParaRPr lang="ru-RU"/>
           </a:p>
@@ -3266,7 +3266,7 @@
               <a:pPr>
                 <a:defRPr/>
               </a:pPr>
-              <a:t>19.06.2015</a:t>
+              <a:t>21.06.2015</a:t>
             </a:fld>
             <a:endParaRPr lang="ru-RU"/>
           </a:p>
@@ -3522,7 +3522,7 @@
               <a:pPr>
                 <a:defRPr/>
               </a:pPr>
-              <a:t>19.06.2015</a:t>
+              <a:t>21.06.2015</a:t>
             </a:fld>
             <a:endParaRPr lang="ru-RU"/>
           </a:p>
@@ -4321,25 +4321,7 @@
               <a:rPr lang="en-US" sz="2800" dirty="0" smtClean="0">
                 <a:latin typeface="+mj-lt"/>
               </a:rPr>
-              <a:t>IVR (Interactive Voice </a:t>
-            </a:r>
-            <a:r>
-              <a:rPr lang="en-US" sz="2800" dirty="0" smtClean="0">
-                <a:latin typeface="+mj-lt"/>
-              </a:rPr>
-              <a:t>Respon</a:t>
-            </a:r>
-            <a:r>
-              <a:rPr lang="en-US" sz="2800" dirty="0" smtClean="0">
-                <a:latin typeface="+mj-lt"/>
-              </a:rPr>
-              <a:t>se</a:t>
-            </a:r>
-            <a:r>
-              <a:rPr lang="en-US" sz="2800" dirty="0" smtClean="0">
-                <a:latin typeface="+mj-lt"/>
-              </a:rPr>
-              <a:t>) </a:t>
+              <a:t>IVR (Interactive Voice Response) </a:t>
             </a:r>
             <a:r>
               <a:rPr lang="ru-RU" sz="2800" dirty="0" smtClean="0">
@@ -4803,7 +4785,15 @@
             </a:pPr>
             <a:r>
               <a:rPr lang="ru-RU" sz="2400" dirty="0" smtClean="0"/>
-              <a:t>Проигрываемые элементы делятся на два типа – звуковой файл формата «.</a:t>
+              <a:t>Проигрываемые элементы делятся на два типа – </a:t>
+            </a:r>
+            <a:r>
+              <a:rPr lang="ru-RU" sz="2400" dirty="0" smtClean="0"/>
+              <a:t>звуковые файлы </a:t>
+            </a:r>
+            <a:r>
+              <a:rPr lang="ru-RU" sz="2400" dirty="0" smtClean="0"/>
+              <a:t>формата «.</a:t>
             </a:r>
             <a:r>
               <a:rPr lang="ru-RU" sz="2400" dirty="0" err="1" smtClean="0"/>
@@ -4811,8 +4801,21 @@
             </a:r>
             <a:r>
               <a:rPr lang="ru-RU" sz="2400" dirty="0" smtClean="0"/>
-              <a:t>» или тон определенной частоты.</a:t>
-            </a:r>
+              <a:t>» или </a:t>
+            </a:r>
+            <a:r>
+              <a:rPr lang="ru-RU" sz="2400" dirty="0" smtClean="0"/>
+              <a:t>тона </a:t>
+            </a:r>
+            <a:r>
+              <a:rPr lang="ru-RU" sz="2400" dirty="0" smtClean="0"/>
+              <a:t>определенной </a:t>
+            </a:r>
+            <a:r>
+              <a:rPr lang="ru-RU" sz="2400" dirty="0" smtClean="0"/>
+              <a:t>частоты.</a:t>
+            </a:r>
+            <a:endParaRPr lang="ru-RU" sz="2400" dirty="0" smtClean="0"/>
           </a:p>
         </p:txBody>
       </p:sp>
@@ -4847,7 +4850,7 @@
       </p:sp>
       <p:pic>
         <p:nvPicPr>
-          <p:cNvPr id="11266" name="Picture 2" descr="C:\Users\Notebook\Desktop\tunel\sibsutis\2015\dpl\diploma_submission\media\Playlist.png"/>
+          <p:cNvPr id="1026" name="Picture 2" descr="E:\tunel\sibsutis\2015\dpl\diploma_submission\media\Playlist.png"/>
           <p:cNvPicPr>
             <a:picLocks noChangeAspect="1" noChangeArrowheads="1"/>
           </p:cNvPicPr>
@@ -4862,8 +4865,8 @@
         </p:blipFill>
         <p:spPr bwMode="auto">
           <a:xfrm>
-            <a:off x="2274093" y="2437993"/>
-            <a:ext cx="6298407" cy="3918357"/>
+            <a:off x="2130402" y="2373240"/>
+            <a:ext cx="6397648" cy="3983109"/>
           </a:xfrm>
           <a:prstGeom prst="rect">
             <a:avLst/>
@@ -4951,19 +4954,15 @@
             </a:pPr>
             <a:r>
               <a:rPr lang="ru-RU" sz="2400" dirty="0" smtClean="0"/>
-              <a:t>На основе двух сервисных портов создается конференция </a:t>
+              <a:t>На основе двух сервисных портов создается конференция из </a:t>
             </a:r>
             <a:r>
               <a:rPr lang="ru-RU" sz="2400" dirty="0" smtClean="0"/>
-              <a:t>из </a:t>
+              <a:t>которой смикшированный звук </a:t>
             </a:r>
             <a:r>
               <a:rPr lang="ru-RU" sz="2400" dirty="0" smtClean="0"/>
-              <a:t>которой, уже смикшированный, звук записывается в </a:t>
-            </a:r>
-            <a:r>
-              <a:rPr lang="ru-RU" sz="2400" dirty="0" smtClean="0"/>
-              <a:t>файл.</a:t>
+              <a:t>записывается в файл.</a:t>
             </a:r>
             <a:endParaRPr lang="ru-RU" sz="2400" dirty="0"/>
           </a:p>
@@ -5153,7 +5152,7 @@
       </p:sp>
       <p:pic>
         <p:nvPicPr>
-          <p:cNvPr id="10244" name="Picture 4" descr="C:\Users\Notebook\Desktop\tunel\sibsutis\2015\dpl\diploma_submission\media\recv_DTMF_1.png"/>
+          <p:cNvPr id="2050" name="Picture 2" descr="E:\tunel\sibsutis\2015\dpl\diploma_submission\media\recv_DTMF_1.png"/>
           <p:cNvPicPr>
             <a:picLocks noChangeAspect="1" noChangeArrowheads="1"/>
           </p:cNvPicPr>
@@ -5168,8 +5167,8 @@
         </p:blipFill>
         <p:spPr bwMode="auto">
           <a:xfrm>
-            <a:off x="3194050" y="2495550"/>
-            <a:ext cx="3778250" cy="3860800"/>
+            <a:off x="3298473" y="2495550"/>
+            <a:ext cx="3807177" cy="3860800"/>
           </a:xfrm>
           <a:prstGeom prst="rect">
             <a:avLst/>
@@ -5257,7 +5256,7 @@
             </a:pPr>
             <a:r>
               <a:rPr lang="ru-RU" sz="2400" dirty="0" smtClean="0"/>
-              <a:t>Таймеры реализованы на основе потока </a:t>
+              <a:t>Таймер реализован на основе потока </a:t>
             </a:r>
             <a:r>
               <a:rPr lang="en-US" sz="2400" dirty="0" err="1" smtClean="0"/>
@@ -5265,15 +5264,19 @@
             </a:r>
             <a:r>
               <a:rPr lang="ru-RU" sz="2400" dirty="0" smtClean="0"/>
-              <a:t>. Тело потока представляет собой бесконечный цикл, который </a:t>
+              <a:t>. </a:t>
             </a:r>
             <a:r>
               <a:rPr lang="ru-RU" sz="2400" dirty="0" smtClean="0"/>
-              <a:t>каждые </a:t>
+              <a:t>Тело потока </a:t>
             </a:r>
             <a:r>
               <a:rPr lang="ru-RU" sz="2400" dirty="0" smtClean="0"/>
-              <a:t>100 мс проверяет таймеры проигрывания, сбора цифр, ошибок сервера.</a:t>
+              <a:t>представляет </a:t>
+            </a:r>
+            <a:r>
+              <a:rPr lang="ru-RU" sz="2400" dirty="0" smtClean="0"/>
+              <a:t>собой бесконечный цикл, который каждые 100 мс проверяет таймеры проигрывания, сбора цифр, ошибок сервера.</a:t>
             </a:r>
             <a:endParaRPr lang="ru-RU" sz="2400" dirty="0"/>
           </a:p>
@@ -5777,20 +5780,8 @@
           <a:lstStyle/>
           <a:p>
             <a:r>
-              <a:rPr lang="en-US" dirty="0" smtClean="0"/>
-              <a:t>SMARTI </a:t>
-            </a:r>
-            <a:r>
               <a:rPr lang="ru-RU" dirty="0" smtClean="0"/>
-              <a:t>–</a:t>
-            </a:r>
-            <a:r>
-              <a:rPr lang="en-US" dirty="0" smtClean="0"/>
-              <a:t> </a:t>
-            </a:r>
-            <a:r>
-              <a:rPr lang="ru-RU" dirty="0" smtClean="0"/>
-              <a:t>сервер</a:t>
+              <a:t>Управление подключениями</a:t>
             </a:r>
             <a:endParaRPr lang="ru-RU" dirty="0"/>
           </a:p>
@@ -5806,12 +5797,24 @@
             <p:ph idx="1"/>
           </p:nvPr>
         </p:nvSpPr>
-        <p:spPr/>
+        <p:spPr>
+          <a:xfrm>
+            <a:off x="457200" y="1250950"/>
+            <a:ext cx="8229600" cy="4875213"/>
+          </a:xfrm>
+        </p:spPr>
         <p:txBody>
           <a:bodyPr/>
           <a:lstStyle/>
           <a:p>
-            <a:endParaRPr lang="ru-RU" dirty="0"/>
+            <a:pPr marL="0" indent="539750" algn="just">
+              <a:buNone/>
+            </a:pPr>
+            <a:r>
+              <a:rPr lang="ru-RU" sz="2400" dirty="0" smtClean="0"/>
+              <a:t>Уровень сервера обособлен от вызовов, сервер управляет сессиями. Сессии – логические подключения, в рамках главного подключения, соответствующие вызовам.</a:t>
+            </a:r>
+            <a:endParaRPr lang="ru-RU" sz="2400" dirty="0"/>
           </a:p>
         </p:txBody>
       </p:sp>
@@ -5839,6 +5842,155 @@
                 <a:defRPr/>
               </a:pPr>
               <a:t>16</a:t>
+            </a:fld>
+            <a:endParaRPr lang="ru-RU" dirty="0"/>
+          </a:p>
+        </p:txBody>
+      </p:sp>
+      <p:pic>
+        <p:nvPicPr>
+          <p:cNvPr id="4098" name="Picture 2" descr="C:\Users\Notebook\Desktop\tunel\sibsutis\2015\dpl\diploma_submission\media\ivr_module_ivr_processor.png"/>
+          <p:cNvPicPr>
+            <a:picLocks noChangeAspect="1" noChangeArrowheads="1"/>
+          </p:cNvPicPr>
+          <p:nvPr/>
+        </p:nvPicPr>
+        <p:blipFill>
+          <a:blip r:embed="rId2"/>
+          <a:srcRect/>
+          <a:stretch>
+            <a:fillRect/>
+          </a:stretch>
+        </p:blipFill>
+        <p:spPr bwMode="auto">
+          <a:xfrm>
+            <a:off x="156633" y="2895600"/>
+            <a:ext cx="8830734" cy="2844800"/>
+          </a:xfrm>
+          <a:prstGeom prst="rect">
+            <a:avLst/>
+          </a:prstGeom>
+          <a:noFill/>
+        </p:spPr>
+      </p:pic>
+    </p:spTree>
+  </p:cSld>
+  <p:clrMapOvr>
+    <a:masterClrMapping/>
+  </p:clrMapOvr>
+  <p:timing>
+    <p:tnLst>
+      <p:par>
+        <p:cTn id="1" dur="indefinite" restart="never" nodeType="tmRoot"/>
+      </p:par>
+    </p:tnLst>
+  </p:timing>
+</p:sld>
+</file>
+
+<file path=ppt/slides/slide17.xml><?xml version="1.0" encoding="utf-8"?>
+<p:sld xmlns:a="http://schemas.openxmlformats.org/drawingml/2006/main" xmlns:r="http://schemas.openxmlformats.org/officeDocument/2006/relationships" xmlns:p="http://schemas.openxmlformats.org/presentationml/2006/main">
+  <p:cSld>
+    <p:spTree>
+      <p:nvGrpSpPr>
+        <p:cNvPr id="1" name=""/>
+        <p:cNvGrpSpPr/>
+        <p:nvPr/>
+      </p:nvGrpSpPr>
+      <p:grpSpPr>
+        <a:xfrm>
+          <a:off x="0" y="0"/>
+          <a:ext cx="0" cy="0"/>
+          <a:chOff x="0" y="0"/>
+          <a:chExt cx="0" cy="0"/>
+        </a:xfrm>
+      </p:grpSpPr>
+      <p:sp>
+        <p:nvSpPr>
+          <p:cNvPr id="2" name="Заголовок 1"/>
+          <p:cNvSpPr>
+            <a:spLocks noGrp="1"/>
+          </p:cNvSpPr>
+          <p:nvPr>
+            <p:ph type="title"/>
+          </p:nvPr>
+        </p:nvSpPr>
+        <p:spPr/>
+        <p:txBody>
+          <a:bodyPr/>
+          <a:lstStyle/>
+          <a:p>
+            <a:r>
+              <a:rPr lang="en-US" dirty="0" smtClean="0"/>
+              <a:t>SMART</a:t>
+            </a:r>
+            <a:r>
+              <a:rPr lang="en-US" dirty="0" smtClean="0"/>
+              <a:t>T</a:t>
+            </a:r>
+            <a:r>
+              <a:rPr lang="en-US" dirty="0" smtClean="0"/>
+              <a:t>I </a:t>
+            </a:r>
+            <a:r>
+              <a:rPr lang="ru-RU" dirty="0" smtClean="0"/>
+              <a:t>–</a:t>
+            </a:r>
+            <a:r>
+              <a:rPr lang="en-US" dirty="0" smtClean="0"/>
+              <a:t> </a:t>
+            </a:r>
+            <a:r>
+              <a:rPr lang="ru-RU" dirty="0" smtClean="0"/>
+              <a:t>сервер</a:t>
+            </a:r>
+            <a:endParaRPr lang="ru-RU" dirty="0"/>
+          </a:p>
+        </p:txBody>
+      </p:sp>
+      <p:sp>
+        <p:nvSpPr>
+          <p:cNvPr id="3" name="Содержимое 2"/>
+          <p:cNvSpPr>
+            <a:spLocks noGrp="1"/>
+          </p:cNvSpPr>
+          <p:nvPr>
+            <p:ph idx="1"/>
+          </p:nvPr>
+        </p:nvSpPr>
+        <p:spPr/>
+        <p:txBody>
+          <a:bodyPr/>
+          <a:lstStyle/>
+          <a:p>
+            <a:endParaRPr lang="ru-RU" dirty="0"/>
+          </a:p>
+        </p:txBody>
+      </p:sp>
+      <p:sp>
+        <p:nvSpPr>
+          <p:cNvPr id="4" name="Номер слайда 3"/>
+          <p:cNvSpPr>
+            <a:spLocks noGrp="1"/>
+          </p:cNvSpPr>
+          <p:nvPr>
+            <p:ph type="sldNum" sz="quarter" idx="12"/>
+          </p:nvPr>
+        </p:nvSpPr>
+        <p:spPr/>
+        <p:txBody>
+          <a:bodyPr/>
+          <a:lstStyle/>
+          <a:p>
+            <a:pPr>
+              <a:defRPr/>
+            </a:pPr>
+            <a:fld id="{BB3B5E7F-AE2F-46EF-84F8-F046D8633343}" type="slidenum">
+              <a:rPr lang="ru-RU" smtClean="0"/>
+              <a:pPr>
+                <a:defRPr/>
+              </a:pPr>
+              <a:t>17</a:t>
             </a:fld>
             <a:endParaRPr lang="ru-RU" dirty="0"/>
           </a:p>
@@ -5889,147 +6041,6 @@
 </p:sld>
 </file>
 
-<file path=ppt/slides/slide17.xml><?xml version="1.0" encoding="utf-8"?>
-<p:sld xmlns:a="http://schemas.openxmlformats.org/drawingml/2006/main" xmlns:r="http://schemas.openxmlformats.org/officeDocument/2006/relationships" xmlns:p="http://schemas.openxmlformats.org/presentationml/2006/main">
-  <p:cSld>
-    <p:spTree>
-      <p:nvGrpSpPr>
-        <p:cNvPr id="1" name=""/>
-        <p:cNvGrpSpPr/>
-        <p:nvPr/>
-      </p:nvGrpSpPr>
-      <p:grpSpPr>
-        <a:xfrm>
-          <a:off x="0" y="0"/>
-          <a:ext cx="0" cy="0"/>
-          <a:chOff x="0" y="0"/>
-          <a:chExt cx="0" cy="0"/>
-        </a:xfrm>
-      </p:grpSpPr>
-      <p:sp>
-        <p:nvSpPr>
-          <p:cNvPr id="2" name="Заголовок 1"/>
-          <p:cNvSpPr>
-            <a:spLocks noGrp="1"/>
-          </p:cNvSpPr>
-          <p:nvPr>
-            <p:ph type="title"/>
-          </p:nvPr>
-        </p:nvSpPr>
-        <p:spPr/>
-        <p:txBody>
-          <a:bodyPr/>
-          <a:lstStyle/>
-          <a:p>
-            <a:r>
-              <a:rPr lang="ru-RU" dirty="0" smtClean="0"/>
-              <a:t>Управление подключениями</a:t>
-            </a:r>
-            <a:endParaRPr lang="ru-RU" dirty="0"/>
-          </a:p>
-        </p:txBody>
-      </p:sp>
-      <p:sp>
-        <p:nvSpPr>
-          <p:cNvPr id="3" name="Содержимое 2"/>
-          <p:cNvSpPr>
-            <a:spLocks noGrp="1"/>
-          </p:cNvSpPr>
-          <p:nvPr>
-            <p:ph idx="1"/>
-          </p:nvPr>
-        </p:nvSpPr>
-        <p:spPr>
-          <a:xfrm>
-            <a:off x="457200" y="1250950"/>
-            <a:ext cx="8229600" cy="4875213"/>
-          </a:xfrm>
-        </p:spPr>
-        <p:txBody>
-          <a:bodyPr/>
-          <a:lstStyle/>
-          <a:p>
-            <a:pPr marL="0" indent="539750" algn="just">
-              <a:buNone/>
-            </a:pPr>
-            <a:r>
-              <a:rPr lang="ru-RU" sz="2400" dirty="0" smtClean="0"/>
-              <a:t>Уровень сервера обособлен от вызовов, сервер управляет сессиями. Сессии – логические подключения, в рамках главного подключения, соответствующие вызовам.</a:t>
-            </a:r>
-            <a:endParaRPr lang="ru-RU" sz="2400" dirty="0"/>
-          </a:p>
-        </p:txBody>
-      </p:sp>
-      <p:sp>
-        <p:nvSpPr>
-          <p:cNvPr id="4" name="Номер слайда 3"/>
-          <p:cNvSpPr>
-            <a:spLocks noGrp="1"/>
-          </p:cNvSpPr>
-          <p:nvPr>
-            <p:ph type="sldNum" sz="quarter" idx="12"/>
-          </p:nvPr>
-        </p:nvSpPr>
-        <p:spPr/>
-        <p:txBody>
-          <a:bodyPr/>
-          <a:lstStyle/>
-          <a:p>
-            <a:pPr>
-              <a:defRPr/>
-            </a:pPr>
-            <a:fld id="{BB3B5E7F-AE2F-46EF-84F8-F046D8633343}" type="slidenum">
-              <a:rPr lang="ru-RU" smtClean="0"/>
-              <a:pPr>
-                <a:defRPr/>
-              </a:pPr>
-              <a:t>17</a:t>
-            </a:fld>
-            <a:endParaRPr lang="ru-RU" dirty="0"/>
-          </a:p>
-        </p:txBody>
-      </p:sp>
-      <p:pic>
-        <p:nvPicPr>
-          <p:cNvPr id="4098" name="Picture 2" descr="C:\Users\Notebook\Desktop\tunel\sibsutis\2015\dpl\diploma_submission\media\ivr_module_ivr_processor.png"/>
-          <p:cNvPicPr>
-            <a:picLocks noChangeAspect="1" noChangeArrowheads="1"/>
-          </p:cNvPicPr>
-          <p:nvPr/>
-        </p:nvPicPr>
-        <p:blipFill>
-          <a:blip r:embed="rId2"/>
-          <a:srcRect/>
-          <a:stretch>
-            <a:fillRect/>
-          </a:stretch>
-        </p:blipFill>
-        <p:spPr bwMode="auto">
-          <a:xfrm>
-            <a:off x="156633" y="2895600"/>
-            <a:ext cx="8830734" cy="2844800"/>
-          </a:xfrm>
-          <a:prstGeom prst="rect">
-            <a:avLst/>
-          </a:prstGeom>
-          <a:noFill/>
-        </p:spPr>
-      </p:pic>
-    </p:spTree>
-  </p:cSld>
-  <p:clrMapOvr>
-    <a:masterClrMapping/>
-  </p:clrMapOvr>
-  <p:timing>
-    <p:tnLst>
-      <p:par>
-        <p:cTn id="1" dur="indefinite" restart="never" nodeType="tmRoot"/>
-      </p:par>
-    </p:tnLst>
-  </p:timing>
-</p:sld>
-</file>
-
 <file path=ppt/slides/slide18.xml><?xml version="1.0" encoding="utf-8"?>
 <p:sld xmlns:a="http://schemas.openxmlformats.org/drawingml/2006/main" xmlns:r="http://schemas.openxmlformats.org/officeDocument/2006/relationships" xmlns:p="http://schemas.openxmlformats.org/presentationml/2006/main">
   <p:cSld>
@@ -6064,7 +6075,7 @@
           <a:p>
             <a:r>
               <a:rPr lang="ru-RU" dirty="0" smtClean="0"/>
-              <a:t>Отображение ключей</a:t>
+              <a:t>Обработка сообщений от сервера</a:t>
             </a:r>
             <a:endParaRPr lang="ru-RU" dirty="0"/>
           </a:p>
@@ -6082,32 +6093,28 @@
         </p:nvSpPr>
         <p:spPr>
           <a:xfrm>
-            <a:off x="457200" y="1250950"/>
-            <a:ext cx="8229600" cy="4875213"/>
+            <a:off x="457200" y="1250951"/>
+            <a:ext cx="8229600" cy="933449"/>
           </a:xfrm>
         </p:spPr>
         <p:txBody>
           <a:bodyPr/>
           <a:lstStyle/>
           <a:p>
-            <a:pPr marL="0" indent="539750" algn="just">
+            <a:pPr marL="0" indent="557213" algn="just">
               <a:buNone/>
             </a:pPr>
             <a:r>
               <a:rPr lang="ru-RU" sz="2400" dirty="0" smtClean="0"/>
-              <a:t>Для </a:t>
+              <a:t>Обработка сообщений от сервера начнется тогда, когда ядро обработки вызовов передаст управление </a:t>
+            </a:r>
+            <a:r>
+              <a:rPr lang="en-US" sz="2400" dirty="0" smtClean="0"/>
+              <a:t>IVR </a:t>
             </a:r>
             <a:r>
               <a:rPr lang="ru-RU" sz="2400" dirty="0" smtClean="0"/>
-              <a:t>связи вызовов с сессиями </a:t>
-            </a:r>
-            <a:r>
-              <a:rPr lang="ru-RU" sz="2400" dirty="0" smtClean="0"/>
-              <a:t>в сервере реализован механизм отображения </a:t>
-            </a:r>
-            <a:r>
-              <a:rPr lang="ru-RU" sz="2400" dirty="0" smtClean="0"/>
-              <a:t>ключей.</a:t>
+              <a:t>модулю.</a:t>
             </a:r>
             <a:endParaRPr lang="ru-RU" sz="2400" dirty="0"/>
           </a:p>
@@ -6144,7 +6151,7 @@
       </p:sp>
       <p:pic>
         <p:nvPicPr>
-          <p:cNvPr id="3075" name="Picture 3" descr="E:\tunel\sibsutis\2015\dpl\diploma_submission\media\server_kays1.png"/>
+          <p:cNvPr id="3074" name="Picture 2" descr="E:\tunel\sibsutis\2015\dpl\diploma_submission\media\queues.png"/>
           <p:cNvPicPr>
             <a:picLocks noChangeAspect="1" noChangeArrowheads="1"/>
           </p:cNvPicPr>
@@ -6159,8 +6166,8 @@
         </p:blipFill>
         <p:spPr bwMode="auto">
           <a:xfrm>
-            <a:off x="838200" y="2139950"/>
-            <a:ext cx="7789550" cy="4149474"/>
+            <a:off x="438150" y="2317750"/>
+            <a:ext cx="8241786" cy="3822700"/>
           </a:xfrm>
           <a:prstGeom prst="rect">
             <a:avLst/>
@@ -6217,7 +6224,7 @@
           <a:p>
             <a:r>
               <a:rPr lang="ru-RU" dirty="0" smtClean="0"/>
-              <a:t>Обработка сообщений от сервера</a:t>
+              <a:t>Заключение</a:t>
             </a:r>
             <a:endParaRPr lang="ru-RU" dirty="0"/>
           </a:p>
@@ -6235,20 +6242,137 @@
         </p:nvSpPr>
         <p:spPr>
           <a:xfrm>
-            <a:off x="457200" y="1250951"/>
-            <a:ext cx="8229600" cy="933449"/>
+            <a:off x="457200" y="1295400"/>
+            <a:ext cx="8229600" cy="4830763"/>
           </a:xfrm>
         </p:spPr>
         <p:txBody>
           <a:bodyPr/>
           <a:lstStyle/>
           <a:p>
-            <a:pPr marL="0" indent="557213" algn="just">
-              <a:buNone/>
-            </a:pPr>
+            <a:pPr algn="just"/>
             <a:r>
               <a:rPr lang="ru-RU" sz="2400" dirty="0" smtClean="0"/>
-              <a:t>Обработка сообщений от сервера начнется тогда, когда ядро обработки вызовов передаст управление </a:t>
+              <a:t>На основе предоставленного функционала реализованы </a:t>
+            </a:r>
+            <a:r>
+              <a:rPr lang="ru-RU" sz="2400" dirty="0" smtClean="0"/>
+              <a:t>функциональные блоки </a:t>
+            </a:r>
+            <a:r>
+              <a:rPr lang="ru-RU" sz="2400" dirty="0" smtClean="0"/>
+              <a:t>«</a:t>
+            </a:r>
+            <a:r>
+              <a:rPr lang="en-US" sz="2400" dirty="0" smtClean="0"/>
+              <a:t>Info</a:t>
+            </a:r>
+            <a:r>
+              <a:rPr lang="ru-RU" sz="2400" dirty="0" smtClean="0"/>
+              <a:t>», «</a:t>
+            </a:r>
+            <a:r>
+              <a:rPr lang="en-US" sz="2400" dirty="0" smtClean="0"/>
+              <a:t>Play</a:t>
+            </a:r>
+            <a:r>
+              <a:rPr lang="ru-RU" sz="2400" dirty="0" smtClean="0"/>
+              <a:t>», «</a:t>
+            </a:r>
+            <a:r>
+              <a:rPr lang="en-US" sz="2400" dirty="0" smtClean="0"/>
+              <a:t>IVR</a:t>
+            </a:r>
+            <a:r>
+              <a:rPr lang="ru-RU" sz="2400" dirty="0" smtClean="0"/>
+              <a:t>», «</a:t>
+            </a:r>
+            <a:r>
+              <a:rPr lang="en-US" sz="2400" dirty="0" smtClean="0"/>
+              <a:t>Dial</a:t>
+            </a:r>
+            <a:r>
+              <a:rPr lang="ru-RU" sz="2400" dirty="0" smtClean="0"/>
+              <a:t>», «</a:t>
+            </a:r>
+            <a:r>
+              <a:rPr lang="en-US" sz="2400" dirty="0" err="1" smtClean="0"/>
+              <a:t>Rec</a:t>
+            </a:r>
+            <a:r>
+              <a:rPr lang="ru-RU" sz="2400" dirty="0" smtClean="0"/>
+              <a:t>», «</a:t>
+            </a:r>
+            <a:r>
+              <a:rPr lang="en-US" sz="2400" dirty="0" smtClean="0"/>
+              <a:t>Caller Info</a:t>
+            </a:r>
+            <a:r>
+              <a:rPr lang="ru-RU" sz="2400" dirty="0" smtClean="0"/>
+              <a:t>».</a:t>
+            </a:r>
+            <a:endParaRPr lang="en-US" sz="2400" dirty="0" smtClean="0"/>
+          </a:p>
+          <a:p>
+            <a:pPr algn="just"/>
+            <a:r>
+              <a:rPr lang="ru-RU" sz="2400" dirty="0" smtClean="0"/>
+              <a:t>В </a:t>
+            </a:r>
+            <a:r>
+              <a:rPr lang="ru-RU" sz="2400" dirty="0" smtClean="0"/>
+              <a:t>результате проделанной работы были выполнены все пункты поставленного технического </a:t>
+            </a:r>
+            <a:r>
+              <a:rPr lang="ru-RU" sz="2400" dirty="0" smtClean="0"/>
+              <a:t>задания</a:t>
+            </a:r>
+            <a:r>
+              <a:rPr lang="en-US" sz="2400" dirty="0" smtClean="0"/>
+              <a:t>.</a:t>
+            </a:r>
+          </a:p>
+          <a:p>
+            <a:pPr algn="just"/>
+            <a:r>
+              <a:rPr lang="ru-RU" sz="2400" dirty="0" smtClean="0"/>
+              <a:t>По </a:t>
+            </a:r>
+            <a:r>
+              <a:rPr lang="ru-RU" sz="2400" dirty="0" smtClean="0"/>
+              <a:t>завершению разработки </a:t>
+            </a:r>
+            <a:r>
+              <a:rPr lang="en-US" sz="2400" dirty="0" smtClean="0"/>
+              <a:t>IVR</a:t>
+            </a:r>
+            <a:r>
+              <a:rPr lang="ru-RU" sz="2400" dirty="0" smtClean="0"/>
+              <a:t> модуль был внедрен в серийное ПО продуктов </a:t>
+            </a:r>
+            <a:r>
+              <a:rPr lang="en-US" sz="2400" dirty="0" smtClean="0"/>
+              <a:t>SMG</a:t>
+            </a:r>
+            <a:r>
+              <a:rPr lang="ru-RU" sz="2400" dirty="0" smtClean="0"/>
+              <a:t>1016</a:t>
+            </a:r>
+            <a:r>
+              <a:rPr lang="en-US" sz="2400" dirty="0" smtClean="0"/>
+              <a:t>M</a:t>
+            </a:r>
+            <a:r>
+              <a:rPr lang="ru-RU" sz="2400" dirty="0" smtClean="0"/>
+              <a:t> и </a:t>
+            </a:r>
+            <a:r>
+              <a:rPr lang="en-US" sz="2400" dirty="0" smtClean="0"/>
+              <a:t>SMG</a:t>
+            </a:r>
+            <a:r>
+              <a:rPr lang="ru-RU" sz="2400" dirty="0" smtClean="0"/>
+              <a:t>2016, лицензия на модуль </a:t>
             </a:r>
             <a:r>
               <a:rPr lang="en-US" sz="2400" dirty="0" smtClean="0"/>
@@ -6256,8 +6380,10 @@
             </a:r>
             <a:r>
               <a:rPr lang="ru-RU" sz="2400" dirty="0" smtClean="0"/>
-              <a:t>модулю.</a:t>
-            </a:r>
+              <a:t>была добавлена в перечень опций, доступных для клиентов компании.</a:t>
+            </a:r>
+          </a:p>
+          <a:p>
             <a:endParaRPr lang="ru-RU" sz="2400" dirty="0"/>
           </a:p>
         </p:txBody>
@@ -6291,44 +6417,11 @@
           </a:p>
         </p:txBody>
       </p:sp>
-      <p:pic>
-        <p:nvPicPr>
-          <p:cNvPr id="4098" name="Picture 2" descr="E:\tunel\sibsutis\2015\dpl\diploma_submission\media\queues.png"/>
-          <p:cNvPicPr>
-            <a:picLocks noChangeAspect="1" noChangeArrowheads="1"/>
-          </p:cNvPicPr>
-          <p:nvPr/>
-        </p:nvPicPr>
-        <p:blipFill>
-          <a:blip r:embed="rId2"/>
-          <a:srcRect/>
-          <a:stretch>
-            <a:fillRect/>
-          </a:stretch>
-        </p:blipFill>
-        <p:spPr bwMode="auto">
-          <a:xfrm>
-            <a:off x="457200" y="2317750"/>
-            <a:ext cx="8229600" cy="3845335"/>
-          </a:xfrm>
-          <a:prstGeom prst="rect">
-            <a:avLst/>
-          </a:prstGeom>
-          <a:noFill/>
-        </p:spPr>
-      </p:pic>
     </p:spTree>
   </p:cSld>
   <p:clrMapOvr>
     <a:masterClrMapping/>
   </p:clrMapOvr>
-  <p:timing>
-    <p:tnLst>
-      <p:par>
-        <p:cTn id="1" dur="indefinite" restart="never" nodeType="tmRoot"/>
-      </p:par>
-    </p:tnLst>
-  </p:timing>
 </p:sld>
 </file>
 
@@ -6539,125 +6632,23 @@
             <a:spLocks noGrp="1"/>
           </p:cNvSpPr>
           <p:nvPr>
-            <p:ph type="title"/>
-          </p:nvPr>
-        </p:nvSpPr>
-        <p:spPr/>
-        <p:txBody>
-          <a:bodyPr/>
-          <a:lstStyle/>
-          <a:p>
-            <a:r>
-              <a:rPr lang="ru-RU" dirty="0" smtClean="0"/>
-              <a:t>Заключение</a:t>
-            </a:r>
-            <a:endParaRPr lang="ru-RU" dirty="0"/>
-          </a:p>
-        </p:txBody>
-      </p:sp>
-      <p:sp>
-        <p:nvSpPr>
-          <p:cNvPr id="3" name="Содержимое 2"/>
-          <p:cNvSpPr>
-            <a:spLocks noGrp="1"/>
-          </p:cNvSpPr>
-          <p:nvPr>
-            <p:ph idx="1"/>
+            <p:ph type="ctrTitle"/>
           </p:nvPr>
         </p:nvSpPr>
         <p:spPr>
           <a:xfrm>
-            <a:off x="457200" y="1295400"/>
-            <a:ext cx="8229600" cy="4830763"/>
+            <a:off x="685800" y="2535039"/>
+            <a:ext cx="7772400" cy="1470025"/>
           </a:xfrm>
         </p:spPr>
         <p:txBody>
           <a:bodyPr/>
           <a:lstStyle/>
           <a:p>
-            <a:pPr algn="just"/>
-            <a:r>
-              <a:rPr lang="ru-RU" sz="2400" dirty="0" smtClean="0"/>
-              <a:t>В результате проделанной работы были выполнены все пункты поставленного технического задания.</a:t>
-            </a:r>
-          </a:p>
-          <a:p>
-            <a:pPr algn="just"/>
-            <a:r>
-              <a:rPr lang="ru-RU" sz="2400" dirty="0" smtClean="0"/>
-              <a:t>По завершению разработки </a:t>
-            </a:r>
-            <a:r>
-              <a:rPr lang="en-US" sz="2400" dirty="0" smtClean="0"/>
-              <a:t>IVR</a:t>
-            </a:r>
-            <a:r>
-              <a:rPr lang="ru-RU" sz="2400" dirty="0" smtClean="0"/>
-              <a:t> модуль был внедрен в серийное ПО продуктов </a:t>
-            </a:r>
-            <a:r>
-              <a:rPr lang="en-US" sz="2400" dirty="0" smtClean="0"/>
-              <a:t>SMG</a:t>
-            </a:r>
-            <a:r>
-              <a:rPr lang="ru-RU" sz="2400" dirty="0" smtClean="0"/>
-              <a:t>1016</a:t>
-            </a:r>
-            <a:r>
-              <a:rPr lang="en-US" sz="2400" dirty="0" smtClean="0"/>
-              <a:t>M</a:t>
-            </a:r>
-            <a:r>
-              <a:rPr lang="ru-RU" sz="2400" dirty="0" smtClean="0"/>
-              <a:t> и </a:t>
-            </a:r>
-            <a:r>
-              <a:rPr lang="en-US" sz="2400" dirty="0" smtClean="0"/>
-              <a:t>SMG</a:t>
-            </a:r>
-            <a:r>
-              <a:rPr lang="ru-RU" sz="2400" dirty="0" smtClean="0"/>
-              <a:t>2016, лицензия на модуль </a:t>
-            </a:r>
-            <a:r>
-              <a:rPr lang="en-US" sz="2400" dirty="0" smtClean="0"/>
-              <a:t>IVR </a:t>
-            </a:r>
-            <a:r>
-              <a:rPr lang="ru-RU" sz="2400" dirty="0" smtClean="0"/>
-              <a:t>была добавлена в перечень опций, доступных для клиентов компании.</a:t>
-            </a:r>
-          </a:p>
-          <a:p>
-            <a:endParaRPr lang="ru-RU" sz="2400" dirty="0"/>
-          </a:p>
-        </p:txBody>
-      </p:sp>
-      <p:sp>
-        <p:nvSpPr>
-          <p:cNvPr id="4" name="Номер слайда 3"/>
-          <p:cNvSpPr>
-            <a:spLocks noGrp="1"/>
-          </p:cNvSpPr>
-          <p:nvPr>
-            <p:ph type="sldNum" sz="quarter" idx="12"/>
-          </p:nvPr>
-        </p:nvSpPr>
-        <p:spPr/>
-        <p:txBody>
-          <a:bodyPr/>
-          <a:lstStyle/>
-          <a:p>
-            <a:pPr>
-              <a:defRPr/>
-            </a:pPr>
-            <a:fld id="{BB3B5E7F-AE2F-46EF-84F8-F046D8633343}" type="slidenum">
-              <a:rPr lang="ru-RU" smtClean="0"/>
-              <a:pPr>
-                <a:defRPr/>
-              </a:pPr>
-              <a:t>20</a:t>
-            </a:fld>
+            <a:r>
+              <a:rPr lang="ru-RU" dirty="0" smtClean="0"/>
+              <a:t>СПАСИБО ЗА ВНИМАНИЕ!</a:t>
+            </a:r>
             <a:endParaRPr lang="ru-RU" dirty="0"/>
           </a:p>
         </p:txBody>
@@ -6667,6 +6658,13 @@
   <p:clrMapOvr>
     <a:masterClrMapping/>
   </p:clrMapOvr>
+  <p:timing>
+    <p:tnLst>
+      <p:par>
+        <p:cTn id="1" dur="indefinite" restart="never" nodeType="tmRoot"/>
+      </p:par>
+    </p:tnLst>
+  </p:timing>
 </p:sld>
 </file>
 
@@ -6694,27 +6692,108 @@
             <a:spLocks noGrp="1"/>
           </p:cNvSpPr>
           <p:nvPr>
-            <p:ph type="ctrTitle"/>
+            <p:ph type="title"/>
+          </p:nvPr>
+        </p:nvSpPr>
+        <p:spPr/>
+        <p:txBody>
+          <a:bodyPr/>
+          <a:lstStyle/>
+          <a:p>
+            <a:r>
+              <a:rPr lang="ru-RU" dirty="0" smtClean="0"/>
+              <a:t>Отображение ключей</a:t>
+            </a:r>
+            <a:endParaRPr lang="ru-RU" dirty="0"/>
+          </a:p>
+        </p:txBody>
+      </p:sp>
+      <p:sp>
+        <p:nvSpPr>
+          <p:cNvPr id="3" name="Содержимое 2"/>
+          <p:cNvSpPr>
+            <a:spLocks noGrp="1"/>
+          </p:cNvSpPr>
+          <p:nvPr>
+            <p:ph idx="1"/>
           </p:nvPr>
         </p:nvSpPr>
         <p:spPr>
           <a:xfrm>
-            <a:off x="685800" y="2535039"/>
-            <a:ext cx="7772400" cy="1470025"/>
+            <a:off x="457200" y="1250950"/>
+            <a:ext cx="8229600" cy="4875213"/>
           </a:xfrm>
         </p:spPr>
         <p:txBody>
           <a:bodyPr/>
           <a:lstStyle/>
           <a:p>
-            <a:r>
-              <a:rPr lang="ru-RU" dirty="0" smtClean="0"/>
-              <a:t>СПАСИБО ЗА ВНИМАНИЕ!</a:t>
-            </a:r>
+            <a:pPr marL="0" indent="539750" algn="just">
+              <a:buNone/>
+            </a:pPr>
+            <a:r>
+              <a:rPr lang="ru-RU" sz="2400" dirty="0" smtClean="0"/>
+              <a:t>Для связи вызовов с сессиями в сервере реализован механизм отображения ключей.</a:t>
+            </a:r>
+            <a:endParaRPr lang="ru-RU" sz="2400" dirty="0"/>
+          </a:p>
+        </p:txBody>
+      </p:sp>
+      <p:sp>
+        <p:nvSpPr>
+          <p:cNvPr id="4" name="Номер слайда 3"/>
+          <p:cNvSpPr>
+            <a:spLocks noGrp="1"/>
+          </p:cNvSpPr>
+          <p:nvPr>
+            <p:ph type="sldNum" sz="quarter" idx="12"/>
+          </p:nvPr>
+        </p:nvSpPr>
+        <p:spPr/>
+        <p:txBody>
+          <a:bodyPr/>
+          <a:lstStyle/>
+          <a:p>
+            <a:pPr>
+              <a:defRPr/>
+            </a:pPr>
+            <a:fld id="{BB3B5E7F-AE2F-46EF-84F8-F046D8633343}" type="slidenum">
+              <a:rPr lang="ru-RU" smtClean="0"/>
+              <a:pPr>
+                <a:defRPr/>
+              </a:pPr>
+              <a:t>21</a:t>
+            </a:fld>
             <a:endParaRPr lang="ru-RU" dirty="0"/>
           </a:p>
         </p:txBody>
       </p:sp>
+      <p:pic>
+        <p:nvPicPr>
+          <p:cNvPr id="3075" name="Picture 3" descr="E:\tunel\sibsutis\2015\dpl\diploma_submission\media\server_kays1.png"/>
+          <p:cNvPicPr>
+            <a:picLocks noChangeAspect="1" noChangeArrowheads="1"/>
+          </p:cNvPicPr>
+          <p:nvPr/>
+        </p:nvPicPr>
+        <p:blipFill>
+          <a:blip r:embed="rId2"/>
+          <a:srcRect/>
+          <a:stretch>
+            <a:fillRect/>
+          </a:stretch>
+        </p:blipFill>
+        <p:spPr bwMode="auto">
+          <a:xfrm>
+            <a:off x="838200" y="2139950"/>
+            <a:ext cx="7789550" cy="4149474"/>
+          </a:xfrm>
+          <a:prstGeom prst="rect">
+            <a:avLst/>
+          </a:prstGeom>
+          <a:noFill/>
+        </p:spPr>
+      </p:pic>
     </p:spTree>
   </p:cSld>
   <p:clrMapOvr>
@@ -7213,22 +7292,23 @@
             <a:pPr algn="just"/>
             <a:r>
               <a:rPr lang="ru-RU" sz="2400" dirty="0" smtClean="0"/>
-              <a:t>Производительность не ниже производительности основной системы обработки вызовов;</a:t>
-            </a:r>
+              <a:t>Производительность не ниже производительности основной системы обработки </a:t>
+            </a:r>
+            <a:r>
+              <a:rPr lang="ru-RU" sz="2400" dirty="0" smtClean="0"/>
+              <a:t>вызовов;</a:t>
+            </a:r>
+            <a:endParaRPr lang="ru-RU" sz="2400" dirty="0" smtClean="0"/>
           </a:p>
           <a:p>
             <a:pPr algn="just"/>
             <a:r>
               <a:rPr lang="ru-RU" sz="2400" dirty="0" smtClean="0"/>
-              <a:t>Поддержка функциональных блоков: «</a:t>
-            </a:r>
-            <a:r>
-              <a:rPr lang="en-US" sz="2400" dirty="0" smtClean="0"/>
-              <a:t>Ring</a:t>
+              <a:t>Поддержка функциональных блоков: </a:t>
             </a:r>
             <a:r>
               <a:rPr lang="ru-RU" sz="2400" dirty="0" smtClean="0"/>
-              <a:t>», «</a:t>
+              <a:t>«</a:t>
             </a:r>
             <a:r>
               <a:rPr lang="en-US" sz="2400" dirty="0" smtClean="0"/>
@@ -7554,11 +7634,7 @@
             </a:r>
             <a:r>
               <a:rPr lang="ru-RU" sz="2400" dirty="0" smtClean="0"/>
-              <a:t> </a:t>
-            </a:r>
-            <a:r>
-              <a:rPr lang="ru-RU" sz="2400" dirty="0" smtClean="0"/>
-              <a:t>– интерфейса администратором устройства и представляют собой отдельные файлы в формате JSON с описанием блоков их связей и параметров. </a:t>
+              <a:t> – интерфейса администратором устройства и представляют собой отдельные файлы в формате JSON с описанием блоков их связей и параметров. </a:t>
             </a:r>
             <a:endParaRPr lang="ru-RU" sz="2400" dirty="0"/>
           </a:p>
@@ -7821,17 +7897,51 @@
           <a:p>
             <a:r>
               <a:rPr lang="ru-RU" dirty="0" smtClean="0"/>
-              <a:t>Структура </a:t>
-            </a:r>
-            <a:r>
-              <a:rPr lang="ru-RU" dirty="0" smtClean="0"/>
-              <a:t>модуля </a:t>
-            </a:r>
-            <a:r>
-              <a:rPr lang="en-US" dirty="0" smtClean="0"/>
-              <a:t>IVR</a:t>
+              <a:t>Общая система обработки вызова</a:t>
             </a:r>
             <a:endParaRPr lang="ru-RU" dirty="0"/>
+          </a:p>
+        </p:txBody>
+      </p:sp>
+      <p:sp>
+        <p:nvSpPr>
+          <p:cNvPr id="3" name="Содержимое 2"/>
+          <p:cNvSpPr>
+            <a:spLocks noGrp="1"/>
+          </p:cNvSpPr>
+          <p:nvPr>
+            <p:ph idx="1"/>
+          </p:nvPr>
+        </p:nvSpPr>
+        <p:spPr>
+          <a:xfrm>
+            <a:off x="457200" y="1295401"/>
+            <a:ext cx="8229600" cy="1244600"/>
+          </a:xfrm>
+        </p:spPr>
+        <p:txBody>
+          <a:bodyPr/>
+          <a:lstStyle/>
+          <a:p>
+            <a:pPr marL="0" indent="536575" algn="just">
+              <a:buNone/>
+              <a:tabLst>
+                <a:tab pos="0" algn="l"/>
+              </a:tabLst>
+            </a:pPr>
+            <a:r>
+              <a:rPr lang="ru-RU" sz="2400" dirty="0" smtClean="0"/>
+              <a:t>Система обработки вызова представляет собой систему из 4 транспортных модулей протокольного уровня и ядра обработки вызовов (</a:t>
+            </a:r>
+            <a:r>
+              <a:rPr lang="en-US" sz="2400" dirty="0" smtClean="0"/>
+              <a:t>PBX</a:t>
+            </a:r>
+            <a:r>
+              <a:rPr lang="ru-RU" sz="2400" dirty="0" smtClean="0"/>
+              <a:t>).</a:t>
+            </a:r>
+            <a:endParaRPr lang="ru-RU" sz="2400" dirty="0"/>
           </a:p>
         </p:txBody>
       </p:sp>
@@ -7859,168 +7969,6 @@
                 <a:defRPr/>
               </a:pPr>
               <a:t>7</a:t>
-            </a:fld>
-            <a:endParaRPr lang="ru-RU" dirty="0"/>
-          </a:p>
-        </p:txBody>
-      </p:sp>
-      <p:pic>
-        <p:nvPicPr>
-          <p:cNvPr id="1027" name="Picture 3" descr="C:\Users\Notebook\Desktop\tunel\sibsutis\2015\dpl\diploma_submission\media\logic_scheme.png"/>
-          <p:cNvPicPr>
-            <a:picLocks noGrp="1" noChangeAspect="1" noChangeArrowheads="1"/>
-          </p:cNvPicPr>
-          <p:nvPr>
-            <p:ph idx="1"/>
-          </p:nvPr>
-        </p:nvPicPr>
-        <p:blipFill>
-          <a:blip r:embed="rId2"/>
-          <a:srcRect/>
-          <a:stretch>
-            <a:fillRect/>
-          </a:stretch>
-        </p:blipFill>
-        <p:spPr bwMode="auto">
-          <a:xfrm>
-            <a:off x="830639" y="1282700"/>
-            <a:ext cx="7482721" cy="5073650"/>
-          </a:xfrm>
-          <a:prstGeom prst="rect">
-            <a:avLst/>
-          </a:prstGeom>
-          <a:noFill/>
-        </p:spPr>
-      </p:pic>
-    </p:spTree>
-  </p:cSld>
-  <p:clrMapOvr>
-    <a:masterClrMapping/>
-  </p:clrMapOvr>
-  <p:timing>
-    <p:tnLst>
-      <p:par>
-        <p:cTn id="1" dur="indefinite" restart="never" nodeType="tmRoot"/>
-      </p:par>
-    </p:tnLst>
-  </p:timing>
-</p:sld>
-</file>
-
-<file path=ppt/slides/slide8.xml><?xml version="1.0" encoding="utf-8"?>
-<p:sld xmlns:a="http://schemas.openxmlformats.org/drawingml/2006/main" xmlns:r="http://schemas.openxmlformats.org/officeDocument/2006/relationships" xmlns:p="http://schemas.openxmlformats.org/presentationml/2006/main">
-  <p:cSld>
-    <p:spTree>
-      <p:nvGrpSpPr>
-        <p:cNvPr id="1" name=""/>
-        <p:cNvGrpSpPr/>
-        <p:nvPr/>
-      </p:nvGrpSpPr>
-      <p:grpSpPr>
-        <a:xfrm>
-          <a:off x="0" y="0"/>
-          <a:ext cx="0" cy="0"/>
-          <a:chOff x="0" y="0"/>
-          <a:chExt cx="0" cy="0"/>
-        </a:xfrm>
-      </p:grpSpPr>
-      <p:sp>
-        <p:nvSpPr>
-          <p:cNvPr id="2" name="Заголовок 1"/>
-          <p:cNvSpPr>
-            <a:spLocks noGrp="1"/>
-          </p:cNvSpPr>
-          <p:nvPr>
-            <p:ph type="title"/>
-          </p:nvPr>
-        </p:nvSpPr>
-        <p:spPr/>
-        <p:txBody>
-          <a:bodyPr/>
-          <a:lstStyle/>
-          <a:p>
-            <a:r>
-              <a:rPr lang="ru-RU" dirty="0" smtClean="0"/>
-              <a:t>Общая система обработки вызова</a:t>
-            </a:r>
-            <a:endParaRPr lang="ru-RU" dirty="0"/>
-          </a:p>
-        </p:txBody>
-      </p:sp>
-      <p:sp>
-        <p:nvSpPr>
-          <p:cNvPr id="3" name="Содержимое 2"/>
-          <p:cNvSpPr>
-            <a:spLocks noGrp="1"/>
-          </p:cNvSpPr>
-          <p:nvPr>
-            <p:ph idx="1"/>
-          </p:nvPr>
-        </p:nvSpPr>
-        <p:spPr>
-          <a:xfrm>
-            <a:off x="457200" y="1295401"/>
-            <a:ext cx="8229600" cy="1244600"/>
-          </a:xfrm>
-        </p:spPr>
-        <p:txBody>
-          <a:bodyPr/>
-          <a:lstStyle/>
-          <a:p>
-            <a:pPr marL="0" indent="536575" algn="just">
-              <a:buNone/>
-              <a:tabLst>
-                <a:tab pos="0" algn="l"/>
-              </a:tabLst>
-            </a:pPr>
-            <a:r>
-              <a:rPr lang="ru-RU" sz="2400" dirty="0" smtClean="0"/>
-              <a:t>Система обработки вызова представляет собой систему </a:t>
-            </a:r>
-            <a:r>
-              <a:rPr lang="ru-RU" sz="2400" dirty="0" smtClean="0"/>
-              <a:t>из </a:t>
-            </a:r>
-            <a:r>
-              <a:rPr lang="ru-RU" sz="2400" dirty="0" smtClean="0"/>
-              <a:t>4 транспортных модулей протокольного уровня и ядра обработки вызовов (</a:t>
-            </a:r>
-            <a:r>
-              <a:rPr lang="en-US" sz="2400" dirty="0" smtClean="0"/>
-              <a:t>PBX</a:t>
-            </a:r>
-            <a:r>
-              <a:rPr lang="ru-RU" sz="2400" dirty="0" smtClean="0"/>
-              <a:t>).</a:t>
-            </a:r>
-            <a:endParaRPr lang="ru-RU" sz="2400" dirty="0"/>
-          </a:p>
-        </p:txBody>
-      </p:sp>
-      <p:sp>
-        <p:nvSpPr>
-          <p:cNvPr id="4" name="Номер слайда 3"/>
-          <p:cNvSpPr>
-            <a:spLocks noGrp="1"/>
-          </p:cNvSpPr>
-          <p:nvPr>
-            <p:ph type="sldNum" sz="quarter" idx="12"/>
-          </p:nvPr>
-        </p:nvSpPr>
-        <p:spPr/>
-        <p:txBody>
-          <a:bodyPr/>
-          <a:lstStyle/>
-          <a:p>
-            <a:pPr>
-              <a:defRPr/>
-            </a:pPr>
-            <a:fld id="{BB3B5E7F-AE2F-46EF-84F8-F046D8633343}" type="slidenum">
-              <a:rPr lang="ru-RU" smtClean="0"/>
-              <a:pPr>
-                <a:defRPr/>
-              </a:pPr>
-              <a:t>8</a:t>
             </a:fld>
             <a:endParaRPr lang="ru-RU" dirty="0"/>
           </a:p>
@@ -8067,7 +8015,7 @@
 </p:sld>
 </file>
 
-<file path=ppt/slides/slide9.xml><?xml version="1.0" encoding="utf-8"?>
+<file path=ppt/slides/slide8.xml><?xml version="1.0" encoding="utf-8"?>
 <p:sld xmlns:a="http://schemas.openxmlformats.org/drawingml/2006/main" xmlns:r="http://schemas.openxmlformats.org/officeDocument/2006/relationships" xmlns:p="http://schemas.openxmlformats.org/presentationml/2006/main">
   <p:cSld>
     <p:spTree>
@@ -8183,7 +8131,7 @@
               <a:pPr>
                 <a:defRPr/>
               </a:pPr>
-              <a:t>9</a:t>
+              <a:t>8</a:t>
             </a:fld>
             <a:endParaRPr lang="ru-RU" dirty="0"/>
           </a:p>
@@ -8208,6 +8156,120 @@
           <a:xfrm>
             <a:off x="2171700" y="2540000"/>
             <a:ext cx="4756150" cy="3816350"/>
+          </a:xfrm>
+          <a:prstGeom prst="rect">
+            <a:avLst/>
+          </a:prstGeom>
+          <a:noFill/>
+        </p:spPr>
+      </p:pic>
+    </p:spTree>
+  </p:cSld>
+  <p:clrMapOvr>
+    <a:masterClrMapping/>
+  </p:clrMapOvr>
+  <p:timing>
+    <p:tnLst>
+      <p:par>
+        <p:cTn id="1" dur="indefinite" restart="never" nodeType="tmRoot"/>
+      </p:par>
+    </p:tnLst>
+  </p:timing>
+</p:sld>
+</file>
+
+<file path=ppt/slides/slide9.xml><?xml version="1.0" encoding="utf-8"?>
+<p:sld xmlns:a="http://schemas.openxmlformats.org/drawingml/2006/main" xmlns:r="http://schemas.openxmlformats.org/officeDocument/2006/relationships" xmlns:p="http://schemas.openxmlformats.org/presentationml/2006/main">
+  <p:cSld>
+    <p:spTree>
+      <p:nvGrpSpPr>
+        <p:cNvPr id="1" name=""/>
+        <p:cNvGrpSpPr/>
+        <p:nvPr/>
+      </p:nvGrpSpPr>
+      <p:grpSpPr>
+        <a:xfrm>
+          <a:off x="0" y="0"/>
+          <a:ext cx="0" cy="0"/>
+          <a:chOff x="0" y="0"/>
+          <a:chExt cx="0" cy="0"/>
+        </a:xfrm>
+      </p:grpSpPr>
+      <p:sp>
+        <p:nvSpPr>
+          <p:cNvPr id="2" name="Заголовок 1"/>
+          <p:cNvSpPr>
+            <a:spLocks noGrp="1"/>
+          </p:cNvSpPr>
+          <p:nvPr>
+            <p:ph type="title"/>
+          </p:nvPr>
+        </p:nvSpPr>
+        <p:spPr/>
+        <p:txBody>
+          <a:bodyPr/>
+          <a:lstStyle/>
+          <a:p>
+            <a:r>
+              <a:rPr lang="ru-RU" dirty="0" smtClean="0"/>
+              <a:t>Структура модуля </a:t>
+            </a:r>
+            <a:r>
+              <a:rPr lang="en-US" dirty="0" smtClean="0"/>
+              <a:t>IVR</a:t>
+            </a:r>
+            <a:endParaRPr lang="ru-RU" dirty="0"/>
+          </a:p>
+        </p:txBody>
+      </p:sp>
+      <p:sp>
+        <p:nvSpPr>
+          <p:cNvPr id="4" name="Номер слайда 3"/>
+          <p:cNvSpPr>
+            <a:spLocks noGrp="1"/>
+          </p:cNvSpPr>
+          <p:nvPr>
+            <p:ph type="sldNum" sz="quarter" idx="12"/>
+          </p:nvPr>
+        </p:nvSpPr>
+        <p:spPr/>
+        <p:txBody>
+          <a:bodyPr/>
+          <a:lstStyle/>
+          <a:p>
+            <a:pPr>
+              <a:defRPr/>
+            </a:pPr>
+            <a:fld id="{BB3B5E7F-AE2F-46EF-84F8-F046D8633343}" type="slidenum">
+              <a:rPr lang="ru-RU" smtClean="0"/>
+              <a:pPr>
+                <a:defRPr/>
+              </a:pPr>
+              <a:t>9</a:t>
+            </a:fld>
+            <a:endParaRPr lang="ru-RU" dirty="0"/>
+          </a:p>
+        </p:txBody>
+      </p:sp>
+      <p:pic>
+        <p:nvPicPr>
+          <p:cNvPr id="4098" name="Picture 2" descr="E:\tunel\sibsutis\2015\dpl\diploma_submission\media\logic_scheme.png"/>
+          <p:cNvPicPr>
+            <a:picLocks noChangeAspect="1" noChangeArrowheads="1"/>
+          </p:cNvPicPr>
+          <p:nvPr/>
+        </p:nvPicPr>
+        <p:blipFill>
+          <a:blip r:embed="rId2"/>
+          <a:srcRect/>
+          <a:stretch>
+            <a:fillRect/>
+          </a:stretch>
+        </p:blipFill>
+        <p:spPr bwMode="auto">
+          <a:xfrm>
+            <a:off x="787377" y="1250950"/>
+            <a:ext cx="7562873" cy="5105400"/>
           </a:xfrm>
           <a:prstGeom prst="rect">
             <a:avLst/>
